--- a/QoSQoEAware5GSlices.pptx
+++ b/QoSQoEAware5GSlices.pptx
@@ -6,17 +6,17 @@
     <p:sldMasterId id="2147483666" r:id="rId2"/>
   </p:sldMasterIdLst>
   <p:notesMasterIdLst>
-    <p:notesMasterId r:id="rId22"/>
+    <p:notesMasterId r:id="rId21"/>
   </p:notesMasterIdLst>
   <p:sldIdLst>
     <p:sldId id="273" r:id="rId3"/>
-    <p:sldId id="266" r:id="rId4"/>
+    <p:sldId id="294" r:id="rId4"/>
     <p:sldId id="274" r:id="rId5"/>
     <p:sldId id="275" r:id="rId6"/>
-    <p:sldId id="257" r:id="rId7"/>
-    <p:sldId id="283" r:id="rId8"/>
-    <p:sldId id="281" r:id="rId9"/>
-    <p:sldId id="279" r:id="rId10"/>
+    <p:sldId id="279" r:id="rId7"/>
+    <p:sldId id="257" r:id="rId8"/>
+    <p:sldId id="283" r:id="rId9"/>
+    <p:sldId id="281" r:id="rId10"/>
     <p:sldId id="280" r:id="rId11"/>
     <p:sldId id="284" r:id="rId12"/>
     <p:sldId id="286" r:id="rId13"/>
@@ -26,8 +26,7 @@
     <p:sldId id="289" r:id="rId17"/>
     <p:sldId id="290" r:id="rId18"/>
     <p:sldId id="291" r:id="rId19"/>
-    <p:sldId id="292" r:id="rId20"/>
-    <p:sldId id="293" r:id="rId21"/>
+    <p:sldId id="293" r:id="rId20"/>
   </p:sldIdLst>
   <p:sldSz cx="12192000" cy="6858000"/>
   <p:notesSz cx="6858000" cy="9144000"/>
@@ -539,7 +538,7 @@
       </p:grpSpPr>
       <p:sp>
         <p:nvSpPr>
-          <p:cNvPr id="2" name="Slide Image Placeholder 1"/>
+          <p:cNvPr id="2" name="投影片影像版面配置區 1"/>
           <p:cNvSpPr>
             <a:spLocks noGrp="1" noRot="1" noChangeAspect="1"/>
           </p:cNvSpPr>
@@ -551,7 +550,7 @@
       </p:sp>
       <p:sp>
         <p:nvSpPr>
-          <p:cNvPr id="3" name="Notes Placeholder 2"/>
+          <p:cNvPr id="3" name="備忘稿版面配置區 2"/>
           <p:cNvSpPr>
             <a:spLocks noGrp="1"/>
           </p:cNvSpPr>
@@ -564,26 +563,201 @@
           <a:bodyPr/>
           <a:lstStyle/>
           <a:p>
-            <a:endParaRPr lang="en-US" dirty="0"/>
-          </a:p>
-        </p:txBody>
-      </p:sp>
-      <p:sp>
-        <p:nvSpPr>
-          <p:cNvPr id="4" name="Slide Number Placeholder 3"/>
-          <p:cNvSpPr>
-            <a:spLocks noGrp="1"/>
-          </p:cNvSpPr>
-          <p:nvPr>
-            <p:ph type="sldNum" sz="quarter" idx="10"/>
-          </p:nvPr>
-        </p:nvSpPr>
-        <p:spPr/>
-        <p:txBody>
-          <a:bodyPr/>
-          <a:lstStyle/>
-          <a:p>
-            <a:pPr marL="0" marR="0" lvl="0" indent="0" algn="r" defTabSz="914400" rtl="0" eaLnBrk="1" fontAlgn="auto" latinLnBrk="0" hangingPunct="1">
+            <a:r>
+              <a:rPr lang="zh-CN" altLang="en-US" sz="1200" b="0" i="0" kern="1200" dirty="0">
+                <a:solidFill>
+                  <a:schemeClr val="tx1"/>
+                </a:solidFill>
+                <a:effectLst/>
+                <a:latin typeface="+mn-lt"/>
+                <a:ea typeface="+mn-ea"/>
+                <a:cs typeface="+mn-cs"/>
+              </a:rPr>
+              <a:t>不同的行业对网络的需求不一样，比如</a:t>
+            </a:r>
+            <a:r>
+              <a:rPr lang="zh-TW" altLang="en-US" sz="1200" b="0" i="0" kern="1200" dirty="0">
+                <a:solidFill>
+                  <a:schemeClr val="tx1"/>
+                </a:solidFill>
+                <a:effectLst/>
+                <a:latin typeface="+mn-lt"/>
+                <a:ea typeface="+mn-ea"/>
+                <a:cs typeface="+mn-cs"/>
+              </a:rPr>
+              <a:t>大部分</a:t>
+            </a:r>
+            <a:r>
+              <a:rPr lang="en-US" altLang="zh-CN" sz="1200" b="0" i="0" kern="1200" dirty="0">
+                <a:solidFill>
+                  <a:schemeClr val="tx1"/>
+                </a:solidFill>
+                <a:effectLst/>
+                <a:latin typeface="+mn-lt"/>
+                <a:ea typeface="+mn-ea"/>
+                <a:cs typeface="+mn-cs"/>
+              </a:rPr>
+              <a:t>IOT</a:t>
+            </a:r>
+            <a:r>
+              <a:rPr lang="zh-CN" altLang="en-US" sz="1200" b="0" i="0" kern="1200" dirty="0">
+                <a:solidFill>
+                  <a:schemeClr val="tx1"/>
+                </a:solidFill>
+                <a:effectLst/>
+                <a:latin typeface="+mn-lt"/>
+                <a:ea typeface="+mn-ea"/>
+                <a:cs typeface="+mn-cs"/>
+              </a:rPr>
+              <a:t>需要的是</a:t>
+            </a:r>
+            <a:r>
+              <a:rPr lang="en-US" altLang="zh-CN" sz="1200" b="0" i="0" kern="1200" dirty="0">
+                <a:solidFill>
+                  <a:schemeClr val="tx1"/>
+                </a:solidFill>
+                <a:effectLst/>
+                <a:latin typeface="+mn-lt"/>
+                <a:ea typeface="+mn-ea"/>
+                <a:cs typeface="+mn-cs"/>
+              </a:rPr>
+              <a:t>big </a:t>
+            </a:r>
+            <a:r>
+              <a:rPr lang="en-US" altLang="zh-TW" sz="1200" b="0" i="0" kern="1200" dirty="0">
+                <a:solidFill>
+                  <a:schemeClr val="tx1"/>
+                </a:solidFill>
+                <a:effectLst/>
+                <a:latin typeface="+mn-lt"/>
+                <a:ea typeface="+mn-ea"/>
+                <a:cs typeface="+mn-cs"/>
+              </a:rPr>
+              <a:t>capacity</a:t>
+            </a:r>
+            <a:r>
+              <a:rPr lang="zh-TW" altLang="en-US" sz="1200" b="0" i="0" kern="1200" dirty="0">
+                <a:solidFill>
+                  <a:schemeClr val="tx1"/>
+                </a:solidFill>
+                <a:effectLst/>
+                <a:latin typeface="+mn-lt"/>
+                <a:ea typeface="+mn-ea"/>
+                <a:cs typeface="+mn-cs"/>
+              </a:rPr>
+              <a:t>網路</a:t>
+            </a:r>
+            <a:r>
+              <a:rPr lang="zh-CN" altLang="en-US" sz="1200" b="0" i="0" kern="1200" dirty="0">
+                <a:solidFill>
+                  <a:schemeClr val="tx1"/>
+                </a:solidFill>
+                <a:effectLst/>
+                <a:latin typeface="+mn-lt"/>
+                <a:ea typeface="+mn-ea"/>
+                <a:cs typeface="+mn-cs"/>
+              </a:rPr>
+              <a:t>，但是对延时和</a:t>
+            </a:r>
+            <a:r>
+              <a:rPr lang="zh-TW" altLang="en-US" sz="1200" b="0" i="0" kern="1200" dirty="0">
+                <a:solidFill>
+                  <a:schemeClr val="tx1"/>
+                </a:solidFill>
+                <a:effectLst/>
+                <a:latin typeface="+mn-lt"/>
+                <a:ea typeface="+mn-ea"/>
+                <a:cs typeface="+mn-cs"/>
+              </a:rPr>
+              <a:t>頻寬</a:t>
+            </a:r>
+            <a:r>
+              <a:rPr lang="zh-CN" altLang="en-US" sz="1200" b="0" i="0" kern="1200" dirty="0">
+                <a:solidFill>
+                  <a:schemeClr val="tx1"/>
+                </a:solidFill>
+                <a:effectLst/>
+                <a:latin typeface="+mn-lt"/>
+                <a:ea typeface="+mn-ea"/>
+                <a:cs typeface="+mn-cs"/>
+              </a:rPr>
+              <a:t>要求不高；自动驾驶要求的是低延时网络；而一些视频终端，要求的是大</a:t>
+            </a:r>
+            <a:r>
+              <a:rPr lang="zh-TW" altLang="en-US" sz="1200" b="0" i="0" kern="1200" dirty="0">
+                <a:solidFill>
+                  <a:schemeClr val="tx1"/>
+                </a:solidFill>
+                <a:effectLst/>
+                <a:latin typeface="+mn-lt"/>
+                <a:ea typeface="+mn-ea"/>
+                <a:cs typeface="+mn-cs"/>
+              </a:rPr>
+              <a:t>頻寬</a:t>
+            </a:r>
+            <a:r>
+              <a:rPr lang="zh-CN" altLang="en-US" sz="1200" b="0" i="0" kern="1200" dirty="0">
+                <a:solidFill>
+                  <a:schemeClr val="tx1"/>
+                </a:solidFill>
+                <a:effectLst/>
+                <a:latin typeface="+mn-lt"/>
+                <a:ea typeface="+mn-ea"/>
+                <a:cs typeface="+mn-cs"/>
+              </a:rPr>
+              <a:t>。</a:t>
+            </a:r>
+            <a:r>
+              <a:rPr lang="en-US" altLang="zh-CN" sz="1200" b="0" i="0" kern="1200" dirty="0">
+                <a:solidFill>
+                  <a:schemeClr val="tx1"/>
+                </a:solidFill>
+                <a:effectLst/>
+                <a:latin typeface="+mn-lt"/>
+                <a:ea typeface="+mn-ea"/>
+                <a:cs typeface="+mn-cs"/>
+              </a:rPr>
+              <a:t>5G</a:t>
+            </a:r>
+            <a:r>
+              <a:rPr lang="zh-CN" altLang="en-US" sz="1200" b="0" i="0" kern="1200" dirty="0">
+                <a:solidFill>
+                  <a:schemeClr val="tx1"/>
+                </a:solidFill>
+                <a:effectLst/>
+                <a:latin typeface="+mn-lt"/>
+                <a:ea typeface="+mn-ea"/>
+                <a:cs typeface="+mn-cs"/>
+              </a:rPr>
+              <a:t>如何提供同时满足这些需求的网络？一种方法是为每种需求创建一个特定的网络。</a:t>
+            </a:r>
+            <a:r>
+              <a:rPr lang="zh-TW" altLang="en-US" sz="1200" b="0" i="0" kern="1200" dirty="0">
+                <a:solidFill>
+                  <a:schemeClr val="tx1"/>
+                </a:solidFill>
+                <a:effectLst/>
+                <a:latin typeface="+mn-lt"/>
+                <a:ea typeface="+mn-ea"/>
+                <a:cs typeface="+mn-cs"/>
+              </a:rPr>
+              <a:t> 另一種是</a:t>
+            </a:r>
+            <a:r>
+              <a:rPr lang="en-US" altLang="zh-TW" sz="1200" b="0" i="0" kern="1200" dirty="0">
+                <a:solidFill>
+                  <a:schemeClr val="tx1"/>
+                </a:solidFill>
+                <a:effectLst/>
+                <a:latin typeface="+mn-lt"/>
+                <a:ea typeface="+mn-ea"/>
+                <a:cs typeface="+mn-cs"/>
+              </a:rPr>
+              <a:t>network slicing</a:t>
+            </a:r>
+          </a:p>
+          <a:p>
+            <a:pPr marL="0" marR="0" lvl="0" indent="0" algn="l" defTabSz="914400" rtl="0" eaLnBrk="1" fontAlgn="auto" latinLnBrk="0" hangingPunct="1">
               <a:lnSpc>
                 <a:spcPct val="100000"/>
               </a:lnSpc>
@@ -600,61 +774,175 @@
               <a:tabLst/>
               <a:defRPr/>
             </a:pPr>
-            <a:fld id="{57446D3C-7248-4466-83D3-3CA300DE77F3}" type="slidenum">
-              <a:rPr kumimoji="0" lang="en-US" sz="1200" b="0" i="0" u="none" strike="noStrike" kern="1200" cap="none" spc="0" normalizeH="0" baseline="0" noProof="0" smtClean="0">
-                <a:ln>
-                  <a:noFill/>
-                </a:ln>
-                <a:solidFill>
-                  <a:prstClr val="black"/>
+            <a:r>
+              <a:rPr lang="en-US" altLang="zh-TW" sz="1200" b="0" i="0" kern="1200" dirty="0">
+                <a:solidFill>
+                  <a:schemeClr val="tx1"/>
                 </a:solidFill>
                 <a:effectLst/>
-                <a:uLnTx/>
-                <a:uFillTx/>
-                <a:latin typeface="Calibri" panose="020F0502020204030204"/>
+                <a:latin typeface="+mn-lt"/>
                 <a:ea typeface="+mn-ea"/>
                 <a:cs typeface="+mn-cs"/>
               </a:rPr>
-              <a:pPr marL="0" marR="0" lvl="0" indent="0" algn="r" defTabSz="914400" rtl="0" eaLnBrk="1" fontAlgn="auto" latinLnBrk="0" hangingPunct="1">
-                <a:lnSpc>
-                  <a:spcPct val="100000"/>
-                </a:lnSpc>
-                <a:spcBef>
-                  <a:spcPts val="0"/>
-                </a:spcBef>
-                <a:spcAft>
-                  <a:spcPts val="0"/>
-                </a:spcAft>
-                <a:buClrTx/>
-                <a:buSzTx/>
-                <a:buFontTx/>
-                <a:buNone/>
-                <a:tabLst/>
-                <a:defRPr/>
-              </a:pPr>
+              <a:t>network slicing</a:t>
+            </a:r>
+            <a:r>
+              <a:rPr lang="zh-TW" altLang="en-US" sz="1200" b="0" i="0" kern="1200" dirty="0">
+                <a:solidFill>
+                  <a:schemeClr val="tx1"/>
+                </a:solidFill>
+                <a:effectLst/>
+                <a:latin typeface="+mn-lt"/>
+                <a:ea typeface="+mn-ea"/>
+                <a:cs typeface="+mn-cs"/>
+              </a:rPr>
+              <a:t>是一種網絡架構，</a:t>
+            </a:r>
+            <a:r>
+              <a:rPr lang="zh-CN" altLang="en-US" sz="1200" b="0" i="0" kern="1200" dirty="0">
+                <a:solidFill>
+                  <a:schemeClr val="tx1"/>
+                </a:solidFill>
+                <a:effectLst/>
+                <a:latin typeface="+mn-lt"/>
+                <a:ea typeface="+mn-ea"/>
+                <a:cs typeface="+mn-cs"/>
+              </a:rPr>
+              <a:t>它允许在一个共享的物理网络基础架构上，运行多个</a:t>
+            </a:r>
+            <a:r>
+              <a:rPr lang="zh-TW" altLang="en-US" sz="1200" b="0" i="0" kern="1200" dirty="0">
+                <a:solidFill>
+                  <a:schemeClr val="tx1"/>
+                </a:solidFill>
+                <a:effectLst/>
+                <a:latin typeface="+mn-lt"/>
+                <a:ea typeface="+mn-ea"/>
+                <a:cs typeface="+mn-cs"/>
+              </a:rPr>
+              <a:t>虛擬</a:t>
+            </a:r>
+            <a:r>
+              <a:rPr lang="zh-CN" altLang="en-US" sz="1200" b="0" i="0" kern="1200" dirty="0">
+                <a:solidFill>
+                  <a:schemeClr val="tx1"/>
+                </a:solidFill>
+                <a:effectLst/>
+                <a:latin typeface="+mn-lt"/>
+                <a:ea typeface="+mn-ea"/>
+                <a:cs typeface="+mn-cs"/>
+              </a:rPr>
+              <a:t>网络。每个</a:t>
+            </a:r>
+            <a:r>
+              <a:rPr lang="zh-TW" altLang="en-US" sz="1200" b="0" i="0" kern="1200" dirty="0">
+                <a:solidFill>
+                  <a:schemeClr val="tx1"/>
+                </a:solidFill>
+                <a:effectLst/>
+                <a:latin typeface="+mn-lt"/>
+                <a:ea typeface="+mn-ea"/>
+                <a:cs typeface="+mn-cs"/>
+              </a:rPr>
+              <a:t>虛擬</a:t>
+            </a:r>
+            <a:r>
+              <a:rPr lang="zh-CN" altLang="en-US" sz="1200" b="0" i="0" kern="1200" dirty="0">
+                <a:solidFill>
+                  <a:schemeClr val="tx1"/>
+                </a:solidFill>
+                <a:effectLst/>
+                <a:latin typeface="+mn-lt"/>
+                <a:ea typeface="+mn-ea"/>
+                <a:cs typeface="+mn-cs"/>
+              </a:rPr>
+              <a:t>网络之间是隔离的</a:t>
+            </a:r>
+            <a:r>
+              <a:rPr lang="zh-TW" altLang="en-US" dirty="0"/>
+              <a:t>，我們可以根據</a:t>
+            </a:r>
+            <a:r>
+              <a:rPr lang="zh-TW" altLang="en-US" b="1" dirty="0"/>
+              <a:t>傳輸速度、容量、覆蓋率、安全性有不同等級的需求</a:t>
+            </a:r>
+            <a:r>
+              <a:rPr lang="zh-TW" altLang="en-US" dirty="0"/>
+              <a:t>，促使營運商在建構</a:t>
+            </a:r>
+            <a:r>
+              <a:rPr lang="en-US" altLang="zh-TW" dirty="0"/>
+              <a:t>5G</a:t>
+            </a:r>
+            <a:r>
+              <a:rPr lang="zh-TW" altLang="en-US" dirty="0"/>
+              <a:t>網路時需更為靈活有彈性，營運商可以透過雲端運算、軟體定義網路</a:t>
+            </a:r>
+            <a:r>
+              <a:rPr lang="en-US" altLang="zh-TW" dirty="0"/>
+              <a:t>(</a:t>
+            </a:r>
+            <a:r>
+              <a:rPr lang="en-US" altLang="zh-TW" b="1" dirty="0"/>
+              <a:t>SDN</a:t>
+            </a:r>
+            <a:r>
+              <a:rPr lang="en-US" altLang="zh-TW" dirty="0"/>
+              <a:t>)</a:t>
+            </a:r>
+            <a:r>
+              <a:rPr lang="zh-TW" altLang="en-US" dirty="0"/>
+              <a:t>，以及網路功能虛擬化</a:t>
+            </a:r>
+            <a:r>
+              <a:rPr lang="en-US" altLang="zh-TW" dirty="0"/>
+              <a:t>(</a:t>
+            </a:r>
+            <a:r>
+              <a:rPr lang="en-US" altLang="zh-TW" b="1" dirty="0"/>
+              <a:t>NFV</a:t>
+            </a:r>
+            <a:r>
+              <a:rPr lang="en-US" altLang="zh-TW" dirty="0"/>
+              <a:t>)</a:t>
+            </a:r>
+            <a:r>
+              <a:rPr lang="zh-TW" altLang="en-US" dirty="0"/>
+              <a:t>等工具，進行網路切片，將一個實體網路劃分成為多個對應不同應用服務情境之虛擬邏輯網路。</a:t>
+            </a:r>
+          </a:p>
+          <a:p>
+            <a:endParaRPr lang="zh-TW" altLang="en-US" dirty="0"/>
+          </a:p>
+        </p:txBody>
+      </p:sp>
+      <p:sp>
+        <p:nvSpPr>
+          <p:cNvPr id="4" name="投影片編號版面配置區 3"/>
+          <p:cNvSpPr>
+            <a:spLocks noGrp="1"/>
+          </p:cNvSpPr>
+          <p:nvPr>
+            <p:ph type="sldNum" sz="quarter" idx="5"/>
+          </p:nvPr>
+        </p:nvSpPr>
+        <p:spPr/>
+        <p:txBody>
+          <a:bodyPr/>
+          <a:lstStyle/>
+          <a:p>
+            <a:fld id="{08227324-3899-4D4D-AD61-B3F74C3D6C20}" type="slidenum">
+              <a:rPr lang="en-ID" smtClean="0"/>
               <a:t>2</a:t>
             </a:fld>
-            <a:endParaRPr kumimoji="0" lang="en-US" sz="1200" b="0" i="0" u="none" strike="noStrike" kern="1200" cap="none" spc="0" normalizeH="0" baseline="0" noProof="0">
-              <a:ln>
-                <a:noFill/>
-              </a:ln>
-              <a:solidFill>
-                <a:prstClr val="black"/>
-              </a:solidFill>
-              <a:effectLst/>
-              <a:uLnTx/>
-              <a:uFillTx/>
-              <a:latin typeface="Calibri" panose="020F0502020204030204"/>
-              <a:ea typeface="+mn-ea"/>
-              <a:cs typeface="+mn-cs"/>
-            </a:endParaRPr>
+            <a:endParaRPr lang="en-ID"/>
           </a:p>
         </p:txBody>
       </p:sp>
     </p:spTree>
     <p:extLst>
       <p:ext uri="{BB962C8B-B14F-4D97-AF65-F5344CB8AC3E}">
-        <p14:creationId xmlns:p14="http://schemas.microsoft.com/office/powerpoint/2010/main" val="492088690"/>
+        <p14:creationId xmlns:p14="http://schemas.microsoft.com/office/powerpoint/2010/main" val="3664073343"/>
       </p:ext>
     </p:extLst>
   </p:cSld>
@@ -710,77 +998,71 @@
           <a:p>
             <a:r>
               <a:rPr lang="zh-TW" altLang="en-US" dirty="0"/>
-              <a:t>使用</a:t>
+              <a:t>有兩種策略來選擇</a:t>
             </a:r>
             <a:r>
               <a:rPr lang="en-US" altLang="zh-TW" dirty="0"/>
-              <a:t>e-greedy</a:t>
+              <a:t>VNF</a:t>
             </a:r>
             <a:r>
               <a:rPr lang="zh-TW" altLang="en-US" dirty="0"/>
-              <a:t>來接一個</a:t>
+              <a:t>實例：</a:t>
             </a:r>
             <a:r>
               <a:rPr lang="en-US" altLang="zh-TW" dirty="0"/>
-              <a:t>instance</a:t>
+              <a:t>1</a:t>
             </a:r>
             <a:r>
               <a:rPr lang="zh-TW" altLang="en-US" dirty="0"/>
-              <a:t>，</a:t>
+              <a:t>）它可能更喜歡選擇尚未執行的新</a:t>
+            </a:r>
+            <a:r>
+              <a:rPr lang="en-US" altLang="zh-TW" dirty="0"/>
+              <a:t>VNF</a:t>
+            </a:r>
+            <a:r>
+              <a:rPr lang="zh-TW" altLang="en-US" dirty="0"/>
+              <a:t>實例，增強對網絡情況（即探索）的感知並提高它們的概率 做出最佳決策</a:t>
+            </a:r>
+            <a:r>
+              <a:rPr lang="en-US" altLang="zh-TW" dirty="0"/>
+              <a:t>; </a:t>
+            </a:r>
+            <a:r>
+              <a:rPr lang="zh-TW" altLang="en-US" dirty="0"/>
+              <a:t>或者</a:t>
+            </a:r>
+            <a:r>
+              <a:rPr lang="en-US" altLang="zh-TW" dirty="0"/>
+              <a:t>2</a:t>
+            </a:r>
+            <a:r>
+              <a:rPr lang="zh-TW" altLang="en-US" dirty="0"/>
+              <a:t>）它還可能更喜歡根據當前網絡情況重複選擇當前已知的最佳</a:t>
+            </a:r>
+            <a:r>
+              <a:rPr lang="en-US" altLang="zh-TW" dirty="0"/>
+              <a:t>VNF</a:t>
+            </a:r>
+            <a:r>
+              <a:rPr lang="zh-TW" altLang="en-US" dirty="0"/>
+              <a:t>實例，並用相對保守的方法獲得最大已知回報 </a:t>
             </a:r>
             <a:endParaRPr lang="en-US" altLang="zh-TW" dirty="0"/>
           </a:p>
           <a:p>
             <a:r>
               <a:rPr lang="zh-TW" altLang="en-US" dirty="0"/>
-              <a:t>觀察在</a:t>
+              <a:t>而過度開採可能會失去發現更好的替代方案的機會</a:t>
             </a:r>
             <a:r>
               <a:rPr lang="en-US" altLang="zh-TW" dirty="0"/>
-              <a:t>LLDP</a:t>
+              <a:t>; </a:t>
             </a:r>
             <a:r>
               <a:rPr lang="zh-TW" altLang="en-US" dirty="0"/>
-              <a:t>上的</a:t>
-            </a:r>
-            <a:r>
-              <a:rPr lang="en-US" altLang="zh-TW" dirty="0"/>
-              <a:t>QoS state and reward</a:t>
-            </a:r>
-            <a:r>
-              <a:rPr lang="zh-TW" altLang="en-US" dirty="0"/>
-              <a:t>，</a:t>
-            </a:r>
-            <a:endParaRPr lang="en-US" altLang="zh-TW" dirty="0"/>
-          </a:p>
-          <a:p>
-            <a:r>
-              <a:rPr lang="zh-TW" altLang="en-US" dirty="0"/>
-              <a:t>直到</a:t>
-            </a:r>
-            <a:r>
-              <a:rPr lang="en-US" altLang="zh-TW" dirty="0"/>
-              <a:t>s</a:t>
-            </a:r>
-            <a:r>
-              <a:rPr lang="zh-TW" altLang="en-US" dirty="0"/>
-              <a:t>為</a:t>
-            </a:r>
-            <a:r>
-              <a:rPr lang="en-US" altLang="zh-TW" dirty="0"/>
-              <a:t>terminal state </a:t>
-            </a:r>
-          </a:p>
-          <a:p>
-            <a:r>
-              <a:rPr lang="zh-TW" altLang="en-US" dirty="0"/>
-              <a:t>最後再梯度下降更新</a:t>
-            </a:r>
-            <a:r>
-              <a:rPr lang="en-US" altLang="zh-TW" dirty="0"/>
-              <a:t>Q-table</a:t>
-            </a:r>
-            <a:endParaRPr lang="zh-TW" altLang="en-US" dirty="0"/>
+              <a:t>同時，可用資源也可能因過度利用而耗盡（例如，某些節點可能過載）。</a:t>
+            </a:r>
           </a:p>
         </p:txBody>
       </p:sp>
@@ -801,7 +1083,7 @@
           <a:p>
             <a:fld id="{08227324-3899-4D4D-AD61-B3F74C3D6C20}" type="slidenum">
               <a:rPr lang="en-ID" smtClean="0"/>
-              <a:t>13</a:t>
+              <a:t>11</a:t>
             </a:fld>
             <a:endParaRPr lang="en-ID"/>
           </a:p>
@@ -810,7 +1092,7 @@
     </p:spTree>
     <p:extLst>
       <p:ext uri="{BB962C8B-B14F-4D97-AF65-F5344CB8AC3E}">
-        <p14:creationId xmlns:p14="http://schemas.microsoft.com/office/powerpoint/2010/main" val="3979210974"/>
+        <p14:creationId xmlns:p14="http://schemas.microsoft.com/office/powerpoint/2010/main" val="1906522095"/>
       </p:ext>
     </p:extLst>
   </p:cSld>
@@ -865,35 +1147,245 @@
           <a:lstStyle/>
           <a:p>
             <a:r>
-              <a:rPr lang="zh-TW" altLang="en-US" dirty="0"/>
-              <a:t>實驗目的是比較它們在</a:t>
-            </a:r>
-            <a:r>
-              <a:rPr lang="en-US" altLang="zh-TW" dirty="0" err="1"/>
-              <a:t>QoE</a:t>
-            </a:r>
-            <a:r>
-              <a:rPr lang="zh-TW" altLang="en-US" dirty="0"/>
-              <a:t>配置，</a:t>
-            </a:r>
-            <a:r>
-              <a:rPr lang="en-US" altLang="zh-TW" dirty="0"/>
-              <a:t>QoS constraint</a:t>
-            </a:r>
-            <a:r>
-              <a:rPr lang="zh-TW" altLang="en-US" dirty="0"/>
-              <a:t>，響應時間等方面的性能</a:t>
-            </a:r>
-            <a:endParaRPr lang="en-US" altLang="zh-TW" dirty="0"/>
-          </a:p>
-          <a:p>
-            <a:r>
-              <a:rPr lang="en-US" altLang="zh-TW" dirty="0" err="1"/>
-              <a:t>QoE</a:t>
-            </a:r>
-            <a:r>
-              <a:rPr lang="zh-TW" altLang="en-US" dirty="0"/>
-              <a:t>有隨著時間慢慢增加</a:t>
+              <a:rPr lang="en-US" altLang="zh-TW" sz="1200" b="0" i="0" kern="1200" dirty="0">
+                <a:solidFill>
+                  <a:schemeClr val="tx1"/>
+                </a:solidFill>
+                <a:effectLst/>
+                <a:latin typeface="+mn-lt"/>
+                <a:ea typeface="+mn-ea"/>
+                <a:cs typeface="+mn-cs"/>
+              </a:rPr>
+              <a:t>epsilon-Greedy</a:t>
+            </a:r>
+            <a:r>
+              <a:rPr lang="zh-TW" altLang="en-US" sz="1200" b="0" i="0" kern="1200" dirty="0">
+                <a:solidFill>
+                  <a:schemeClr val="tx1"/>
+                </a:solidFill>
+                <a:effectLst/>
+                <a:latin typeface="+mn-lt"/>
+                <a:ea typeface="+mn-ea"/>
+                <a:cs typeface="+mn-cs"/>
+              </a:rPr>
+              <a:t>算法（</a:t>
+            </a:r>
+            <a:r>
+              <a:rPr lang="el-GR" altLang="zh-TW" sz="1200" b="0" i="0" u="none" strike="noStrike" kern="1200" dirty="0">
+                <a:solidFill>
+                  <a:schemeClr val="tx1"/>
+                </a:solidFill>
+                <a:effectLst/>
+                <a:latin typeface="+mn-lt"/>
+                <a:ea typeface="+mn-ea"/>
+                <a:cs typeface="+mn-cs"/>
+              </a:rPr>
+              <a:t>ϵ</a:t>
+            </a:r>
+            <a:r>
+              <a:rPr lang="el-GR" altLang="zh-TW" sz="1200" b="0" i="0" kern="1200" dirty="0">
+                <a:solidFill>
+                  <a:schemeClr val="tx1"/>
+                </a:solidFill>
+                <a:effectLst/>
+                <a:latin typeface="+mn-lt"/>
+                <a:ea typeface="+mn-ea"/>
+                <a:cs typeface="+mn-cs"/>
+              </a:rPr>
+              <a:t>-</a:t>
+            </a:r>
+            <a:r>
+              <a:rPr lang="zh-TW" altLang="en-US" sz="1200" b="0" i="0" kern="1200" dirty="0">
+                <a:solidFill>
+                  <a:schemeClr val="tx1"/>
+                </a:solidFill>
+                <a:effectLst/>
+                <a:latin typeface="+mn-lt"/>
+                <a:ea typeface="+mn-ea"/>
+                <a:cs typeface="+mn-cs"/>
+              </a:rPr>
+              <a:t>贪婪算法）算是</a:t>
+            </a:r>
+            <a:r>
+              <a:rPr lang="en-US" altLang="zh-TW" sz="1200" b="0" i="0" kern="1200" dirty="0">
+                <a:solidFill>
+                  <a:schemeClr val="tx1"/>
+                </a:solidFill>
+                <a:effectLst/>
+                <a:latin typeface="+mn-lt"/>
+                <a:ea typeface="+mn-ea"/>
+                <a:cs typeface="+mn-cs"/>
+              </a:rPr>
+              <a:t>MBA(Multiarmed Bandit Algorithms)</a:t>
+            </a:r>
+            <a:r>
+              <a:rPr lang="zh-TW" altLang="en-US" sz="1200" b="0" i="0" kern="1200" dirty="0">
+                <a:solidFill>
+                  <a:schemeClr val="tx1"/>
+                </a:solidFill>
+                <a:effectLst/>
+                <a:latin typeface="+mn-lt"/>
+                <a:ea typeface="+mn-ea"/>
+                <a:cs typeface="+mn-cs"/>
+              </a:rPr>
+              <a:t>算法中最简单的一种，</a:t>
+            </a:r>
+            <a:endParaRPr lang="en-US" altLang="zh-TW" sz="1200" b="0" i="0" kern="1200" dirty="0">
+              <a:solidFill>
+                <a:schemeClr val="tx1"/>
+              </a:solidFill>
+              <a:effectLst/>
+              <a:latin typeface="+mn-lt"/>
+              <a:ea typeface="+mn-ea"/>
+              <a:cs typeface="+mn-cs"/>
+            </a:endParaRPr>
+          </a:p>
+          <a:p>
+            <a:r>
+              <a:rPr lang="zh-CN" altLang="en-US" dirty="0"/>
+              <a:t>现在假如你面前有</a:t>
+            </a:r>
+            <a:r>
+              <a:rPr lang="en-US" altLang="zh-CN" dirty="0"/>
+              <a:t>n</a:t>
+            </a:r>
+            <a:r>
+              <a:rPr lang="zh-CN" altLang="en-US" dirty="0"/>
+              <a:t>台老虎机，每台老虎机吐钱的概率不一样。你并不清楚每台老虎机的吐钱的概率分布。那么，如果你想要最大化收益，你该怎么办呢？ 通常来说，你内心可能有两种好的决策：</a:t>
+            </a:r>
+            <a:r>
+              <a:rPr lang="en-US" altLang="zh-CN" dirty="0"/>
+              <a:t>1</a:t>
+            </a:r>
+            <a:r>
+              <a:rPr lang="zh-CN" altLang="en-US" dirty="0"/>
+              <a:t>、找到某一台收益还不错的老虎机，然后坚持摇这台老虎机；</a:t>
+            </a:r>
+            <a:r>
+              <a:rPr lang="en-US" altLang="zh-CN" dirty="0"/>
+              <a:t>2</a:t>
+            </a:r>
+            <a:r>
+              <a:rPr lang="zh-CN" altLang="en-US" dirty="0"/>
+              <a:t>、不断尝试探索新的老虎机。这个探索的过程中，可能发现更好的老虎机，当然也要承担摇差的老虎机带来损失的风险。显然，第一种对应的就是“</a:t>
+            </a:r>
+            <a:r>
+              <a:rPr lang="en-US" altLang="zh-CN" dirty="0"/>
+              <a:t>exploit”</a:t>
+            </a:r>
+            <a:r>
+              <a:rPr lang="zh-CN" altLang="en-US" dirty="0"/>
+              <a:t>，第二种对应“</a:t>
+            </a:r>
+            <a:r>
+              <a:rPr lang="en-US" altLang="zh-CN" dirty="0"/>
+              <a:t>explore”</a:t>
+            </a:r>
+            <a:r>
+              <a:rPr lang="zh-CN" altLang="en-US" dirty="0"/>
+              <a:t>，而</a:t>
+            </a:r>
+            <a:r>
+              <a:rPr lang="en-US" altLang="zh-CN" dirty="0"/>
+              <a:t>bandit</a:t>
+            </a:r>
+            <a:r>
+              <a:rPr lang="zh-CN" altLang="en-US" dirty="0"/>
+              <a:t>算法就是要解决这种问题，实现最大化收益。</a:t>
+            </a:r>
+            <a:endParaRPr lang="en-US" altLang="zh-CN" dirty="0"/>
+          </a:p>
+          <a:p>
+            <a:r>
+              <a:rPr lang="zh-CN" altLang="en-US" sz="1200" b="0" i="0" kern="1200" dirty="0">
+                <a:solidFill>
+                  <a:schemeClr val="tx1"/>
+                </a:solidFill>
+                <a:effectLst/>
+                <a:latin typeface="+mn-lt"/>
+                <a:ea typeface="+mn-ea"/>
+                <a:cs typeface="+mn-cs"/>
+              </a:rPr>
+              <a:t>纯粹贪婪的算法，放到这种多臂老虎机的场景来看就是每次都选择当前那个最好的臂摇，即使从长远来看可能非常不好。</a:t>
+            </a:r>
+            <a:endParaRPr lang="en-US" altLang="zh-CN" sz="1200" b="0" i="0" kern="1200" dirty="0">
+              <a:solidFill>
+                <a:schemeClr val="tx1"/>
+              </a:solidFill>
+              <a:effectLst/>
+              <a:latin typeface="+mn-lt"/>
+              <a:ea typeface="+mn-ea"/>
+              <a:cs typeface="+mn-cs"/>
+            </a:endParaRPr>
+          </a:p>
+          <a:p>
+            <a:r>
+              <a:rPr lang="zh-CN" altLang="en-US" dirty="0"/>
+              <a:t>区别仅仅就在这个</a:t>
+            </a:r>
+            <a:r>
+              <a:rPr lang="en-US" altLang="zh-CN" dirty="0"/>
+              <a:t>ϵ</a:t>
+            </a:r>
+            <a:r>
+              <a:rPr lang="zh-CN" altLang="en-US" dirty="0"/>
+              <a:t>。这个</a:t>
+            </a:r>
+            <a:r>
+              <a:rPr lang="en-US" altLang="zh-CN" dirty="0"/>
+              <a:t>ϵ</a:t>
+            </a:r>
+            <a:r>
+              <a:rPr lang="zh-CN" altLang="en-US" dirty="0"/>
+              <a:t>代表执行执行“探索”的概率。比如设置</a:t>
+            </a:r>
+            <a:r>
+              <a:rPr lang="en-US" altLang="zh-CN" dirty="0"/>
+              <a:t>ϵϵ=0.1</a:t>
+            </a:r>
+            <a:r>
+              <a:rPr lang="zh-CN" altLang="en-US" dirty="0"/>
+              <a:t>，那么就表示有</a:t>
+            </a:r>
+            <a:r>
+              <a:rPr lang="en-US" altLang="zh-CN" dirty="0"/>
+              <a:t>10%</a:t>
+            </a:r>
+            <a:r>
+              <a:rPr lang="zh-CN" altLang="en-US" dirty="0"/>
+              <a:t>的概率会进行“探索”操作，而</a:t>
+            </a:r>
+            <a:r>
+              <a:rPr lang="en-US" altLang="zh-CN" dirty="0"/>
+              <a:t>90%</a:t>
+            </a:r>
+            <a:r>
+              <a:rPr lang="zh-CN" altLang="en-US" dirty="0"/>
+              <a:t>会进行“利用”操作，也就是摇当前最好的臂。如果以摇老虎机臂的过程，用次数来算的话，也就是，每</a:t>
+            </a:r>
+            <a:r>
+              <a:rPr lang="en-US" altLang="zh-CN" dirty="0"/>
+              <a:t>10</a:t>
+            </a:r>
+            <a:r>
+              <a:rPr lang="zh-CN" altLang="en-US" dirty="0"/>
+              <a:t>次操作，仅有</a:t>
+            </a:r>
+            <a:r>
+              <a:rPr lang="en-US" altLang="zh-CN" dirty="0"/>
+              <a:t>1</a:t>
+            </a:r>
+            <a:r>
+              <a:rPr lang="zh-CN" altLang="en-US" dirty="0"/>
+              <a:t>次操作去进行探索</a:t>
+            </a:r>
+            <a:r>
+              <a:rPr lang="en-US" altLang="zh-CN" dirty="0"/>
+              <a:t>——</a:t>
+            </a:r>
+            <a:r>
+              <a:rPr lang="zh-CN" altLang="en-US" dirty="0"/>
+              <a:t>尝试其他的臂。</a:t>
             </a:r>
           </a:p>
         </p:txBody>
@@ -915,7 +1407,7 @@
           <a:p>
             <a:fld id="{08227324-3899-4D4D-AD61-B3F74C3D6C20}" type="slidenum">
               <a:rPr lang="en-ID" smtClean="0"/>
-              <a:t>15</a:t>
+              <a:t>12</a:t>
             </a:fld>
             <a:endParaRPr lang="en-ID"/>
           </a:p>
@@ -924,7 +1416,7 @@
     </p:spTree>
     <p:extLst>
       <p:ext uri="{BB962C8B-B14F-4D97-AF65-F5344CB8AC3E}">
-        <p14:creationId xmlns:p14="http://schemas.microsoft.com/office/powerpoint/2010/main" val="4090258714"/>
+        <p14:creationId xmlns:p14="http://schemas.microsoft.com/office/powerpoint/2010/main" val="2283959668"/>
       </p:ext>
     </p:extLst>
   </p:cSld>
@@ -980,54 +1472,77 @@
           <a:p>
             <a:r>
               <a:rPr lang="zh-TW" altLang="en-US" dirty="0"/>
-              <a:t>實驗目的是比較它們在</a:t>
-            </a:r>
-            <a:r>
-              <a:rPr lang="en-US" altLang="zh-TW" dirty="0" err="1"/>
-              <a:t>QoE</a:t>
+              <a:t>使用</a:t>
+            </a:r>
+            <a:r>
+              <a:rPr lang="en-US" altLang="zh-TW" dirty="0"/>
+              <a:t>e-greedy</a:t>
             </a:r>
             <a:r>
               <a:rPr lang="zh-TW" altLang="en-US" dirty="0"/>
-              <a:t>配置，</a:t>
+              <a:t>來接一個</a:t>
             </a:r>
             <a:r>
               <a:rPr lang="en-US" altLang="zh-TW" dirty="0"/>
-              <a:t>QoS</a:t>
+              <a:t>instance</a:t>
             </a:r>
             <a:r>
               <a:rPr lang="zh-TW" altLang="en-US" dirty="0"/>
-              <a:t> </a:t>
+              <a:t>，</a:t>
+            </a:r>
+            <a:endParaRPr lang="en-US" altLang="zh-TW" dirty="0"/>
+          </a:p>
+          <a:p>
+            <a:r>
+              <a:rPr lang="zh-TW" altLang="en-US" dirty="0"/>
+              <a:t>觀察在</a:t>
             </a:r>
             <a:r>
               <a:rPr lang="en-US" altLang="zh-TW" dirty="0"/>
-              <a:t>constraint</a:t>
+              <a:t>LLDP</a:t>
             </a:r>
             <a:r>
               <a:rPr lang="zh-TW" altLang="en-US" dirty="0"/>
-              <a:t>，響應時間等方面的性能</a:t>
+              <a:t>上的</a:t>
+            </a:r>
+            <a:r>
+              <a:rPr lang="en-US" altLang="zh-TW" dirty="0"/>
+              <a:t>QoS state and reward</a:t>
+            </a:r>
+            <a:r>
+              <a:rPr lang="zh-TW" altLang="en-US" dirty="0"/>
+              <a:t>，</a:t>
             </a:r>
             <a:endParaRPr lang="en-US" altLang="zh-TW" dirty="0"/>
           </a:p>
           <a:p>
             <a:r>
-              <a:rPr lang="en-US" altLang="zh-TW" dirty="0" err="1"/>
-              <a:t>QoE</a:t>
-            </a:r>
-            <a:r>
               <a:rPr lang="zh-TW" altLang="en-US" dirty="0"/>
-              <a:t>有隨著時間慢慢增加</a:t>
-            </a:r>
-            <a:endParaRPr lang="en-US" altLang="zh-TW" dirty="0"/>
-          </a:p>
-          <a:p>
+              <a:t>直到</a:t>
+            </a:r>
             <a:r>
               <a:rPr lang="en-US" altLang="zh-TW" dirty="0"/>
-              <a:t>Error</a:t>
+              <a:t>state</a:t>
             </a:r>
             <a:r>
               <a:rPr lang="zh-TW" altLang="en-US" dirty="0"/>
-              <a:t>有隨著時間慢慢減少</a:t>
-            </a:r>
+              <a:t>為</a:t>
+            </a:r>
+            <a:r>
+              <a:rPr lang="en-US" altLang="zh-TW" dirty="0"/>
+              <a:t>terminal state </a:t>
+            </a:r>
+          </a:p>
+          <a:p>
+            <a:r>
+              <a:rPr lang="zh-TW" altLang="en-US" dirty="0"/>
+              <a:t>最後再梯度下降更新</a:t>
+            </a:r>
+            <a:r>
+              <a:rPr lang="en-US" altLang="zh-TW" dirty="0"/>
+              <a:t>Q-table</a:t>
+            </a:r>
+            <a:endParaRPr lang="zh-TW" altLang="en-US" dirty="0"/>
           </a:p>
         </p:txBody>
       </p:sp>
@@ -1048,7 +1563,7 @@
           <a:p>
             <a:fld id="{08227324-3899-4D4D-AD61-B3F74C3D6C20}" type="slidenum">
               <a:rPr lang="en-ID" smtClean="0"/>
-              <a:t>16</a:t>
+              <a:t>13</a:t>
             </a:fld>
             <a:endParaRPr lang="en-ID"/>
           </a:p>
@@ -1057,7 +1572,7 @@
     </p:spTree>
     <p:extLst>
       <p:ext uri="{BB962C8B-B14F-4D97-AF65-F5344CB8AC3E}">
-        <p14:creationId xmlns:p14="http://schemas.microsoft.com/office/powerpoint/2010/main" val="800753695"/>
+        <p14:creationId xmlns:p14="http://schemas.microsoft.com/office/powerpoint/2010/main" val="3979210974"/>
       </p:ext>
     </p:extLst>
   </p:cSld>
@@ -1112,49 +1627,35 @@
           <a:lstStyle/>
           <a:p>
             <a:r>
+              <a:rPr lang="zh-TW" altLang="en-US" dirty="0"/>
+              <a:t>實驗目的是比較它們在</a:t>
+            </a:r>
+            <a:r>
+              <a:rPr lang="en-US" altLang="zh-TW" dirty="0" err="1"/>
+              <a:t>QoE</a:t>
+            </a:r>
+            <a:r>
+              <a:rPr lang="zh-TW" altLang="en-US" dirty="0"/>
+              <a:t>配置，</a:t>
+            </a:r>
+            <a:r>
               <a:rPr lang="en-US" altLang="zh-TW" dirty="0"/>
-              <a:t>Response time</a:t>
+              <a:t>QoS constraint</a:t>
             </a:r>
             <a:r>
               <a:rPr lang="zh-TW" altLang="en-US" dirty="0"/>
-              <a:t>就是請求一條可以使用的通道所耗費的時間</a:t>
-            </a:r>
-            <a:r>
-              <a:rPr lang="en-US" altLang="zh-TW" dirty="0"/>
-              <a:t>:</a:t>
-            </a:r>
-          </a:p>
-          <a:p>
+              <a:t>，響應時間等方面的性能</a:t>
+            </a:r>
             <a:endParaRPr lang="en-US" altLang="zh-TW" dirty="0"/>
           </a:p>
           <a:p>
             <a:r>
+              <a:rPr lang="en-US" altLang="zh-TW" dirty="0" err="1"/>
+              <a:t>QoE</a:t>
+            </a:r>
+            <a:r>
               <a:rPr lang="zh-TW" altLang="en-US" dirty="0"/>
-              <a:t>隨機搜索 最快 </a:t>
-            </a:r>
-            <a:endParaRPr lang="en-US" altLang="zh-TW" dirty="0"/>
-          </a:p>
-          <a:p>
-            <a:endParaRPr lang="en-US" altLang="zh-TW" dirty="0"/>
-          </a:p>
-          <a:p>
-            <a:r>
-              <a:rPr lang="zh-TW" altLang="en-US" dirty="0"/>
-              <a:t>暴力搜索算法最慢 因為要找出一條最好的</a:t>
-            </a:r>
-            <a:endParaRPr lang="en-US" altLang="zh-TW" dirty="0"/>
-          </a:p>
-          <a:p>
-            <a:endParaRPr lang="en-US" altLang="zh-TW" dirty="0"/>
-          </a:p>
-          <a:p>
-            <a:r>
-              <a:rPr lang="en-US" altLang="zh-TW" dirty="0"/>
-              <a:t>DQN</a:t>
-            </a:r>
-            <a:r>
-              <a:rPr lang="zh-TW" altLang="en-US" dirty="0"/>
-              <a:t>則在兩者之間</a:t>
+              <a:t>有隨著時間慢慢增加</a:t>
             </a:r>
           </a:p>
         </p:txBody>
@@ -1176,7 +1677,7 @@
           <a:p>
             <a:fld id="{08227324-3899-4D4D-AD61-B3F74C3D6C20}" type="slidenum">
               <a:rPr lang="en-ID" smtClean="0"/>
-              <a:t>17</a:t>
+              <a:t>15</a:t>
             </a:fld>
             <a:endParaRPr lang="en-ID"/>
           </a:p>
@@ -1185,7 +1686,7 @@
     </p:spTree>
     <p:extLst>
       <p:ext uri="{BB962C8B-B14F-4D97-AF65-F5344CB8AC3E}">
-        <p14:creationId xmlns:p14="http://schemas.microsoft.com/office/powerpoint/2010/main" val="4068976826"/>
+        <p14:creationId xmlns:p14="http://schemas.microsoft.com/office/powerpoint/2010/main" val="4090258714"/>
       </p:ext>
     </p:extLst>
   </p:cSld>
@@ -1241,23 +1742,15 @@
           <a:p>
             <a:r>
               <a:rPr lang="zh-TW" altLang="en-US" dirty="0"/>
-              <a:t>基於</a:t>
-            </a:r>
-            <a:r>
-              <a:rPr lang="en-US" altLang="zh-TW" dirty="0"/>
-              <a:t>DQN</a:t>
+              <a:t>實驗目的是比較它們在</a:t>
+            </a:r>
+            <a:r>
+              <a:rPr lang="en-US" altLang="zh-TW" dirty="0" err="1"/>
+              <a:t>QoE</a:t>
             </a:r>
             <a:r>
               <a:rPr lang="zh-TW" altLang="en-US" dirty="0"/>
-              <a:t>的</a:t>
-            </a:r>
-            <a:r>
-              <a:rPr lang="en-US" altLang="zh-TW" dirty="0"/>
-              <a:t>SFC</a:t>
-            </a:r>
-            <a:r>
-              <a:rPr lang="zh-TW" altLang="en-US" dirty="0"/>
-              <a:t>算法，它綜合考慮</a:t>
+              <a:t>配置，</a:t>
             </a:r>
             <a:r>
               <a:rPr lang="en-US" altLang="zh-TW" dirty="0"/>
@@ -1265,31 +1758,37 @@
             </a:r>
             <a:r>
               <a:rPr lang="zh-TW" altLang="en-US" dirty="0"/>
-              <a:t>和</a:t>
-            </a:r>
+              <a:t> </a:t>
+            </a:r>
+            <a:r>
+              <a:rPr lang="en-US" altLang="zh-TW" dirty="0"/>
+              <a:t>constraint</a:t>
+            </a:r>
+            <a:r>
+              <a:rPr lang="zh-TW" altLang="en-US" dirty="0"/>
+              <a:t>，響應時間等方面的性能</a:t>
+            </a:r>
+            <a:endParaRPr lang="en-US" altLang="zh-TW" dirty="0"/>
+          </a:p>
+          <a:p>
             <a:r>
               <a:rPr lang="en-US" altLang="zh-TW" dirty="0" err="1"/>
               <a:t>QoE</a:t>
             </a:r>
             <a:r>
               <a:rPr lang="zh-TW" altLang="en-US" dirty="0"/>
-              <a:t>作為製定獎勵的關鍵要素。實驗表明，它適用於</a:t>
-            </a:r>
+              <a:t>有隨著時間慢慢增加</a:t>
+            </a:r>
+            <a:endParaRPr lang="en-US" altLang="zh-TW" dirty="0"/>
+          </a:p>
+          <a:p>
             <a:r>
               <a:rPr lang="en-US" altLang="zh-TW" dirty="0"/>
-              <a:t>5</a:t>
+              <a:t>Error</a:t>
             </a:r>
             <a:r>
               <a:rPr lang="zh-TW" altLang="en-US" dirty="0"/>
-              <a:t>個核心網的動態</a:t>
-            </a:r>
-            <a:r>
-              <a:rPr lang="en-US" altLang="zh-TW" dirty="0"/>
-              <a:t>QoS</a:t>
-            </a:r>
-            <a:r>
-              <a:rPr lang="zh-TW" altLang="en-US" dirty="0"/>
-              <a:t>環境中的服務功能鏈。在實際場景中服務功能鏈可能涉及跨切片網絡功能，這可能會引入分層編排設計。</a:t>
+              <a:t>有隨著時間慢慢減少</a:t>
             </a:r>
           </a:p>
         </p:txBody>
@@ -1311,7 +1810,270 @@
           <a:p>
             <a:fld id="{08227324-3899-4D4D-AD61-B3F74C3D6C20}" type="slidenum">
               <a:rPr lang="en-ID" smtClean="0"/>
-              <a:t>19</a:t>
+              <a:t>16</a:t>
+            </a:fld>
+            <a:endParaRPr lang="en-ID"/>
+          </a:p>
+        </p:txBody>
+      </p:sp>
+    </p:spTree>
+    <p:extLst>
+      <p:ext uri="{BB962C8B-B14F-4D97-AF65-F5344CB8AC3E}">
+        <p14:creationId xmlns:p14="http://schemas.microsoft.com/office/powerpoint/2010/main" val="800753695"/>
+      </p:ext>
+    </p:extLst>
+  </p:cSld>
+  <p:clrMapOvr>
+    <a:masterClrMapping/>
+  </p:clrMapOvr>
+</p:notes>
+</file>
+
+<file path=ppt/notesSlides/notesSlide15.xml><?xml version="1.0" encoding="utf-8"?>
+<p:notes xmlns:a="http://schemas.openxmlformats.org/drawingml/2006/main" xmlns:r="http://schemas.openxmlformats.org/officeDocument/2006/relationships" xmlns:p="http://schemas.openxmlformats.org/presentationml/2006/main">
+  <p:cSld>
+    <p:spTree>
+      <p:nvGrpSpPr>
+        <p:cNvPr id="1" name=""/>
+        <p:cNvGrpSpPr/>
+        <p:nvPr/>
+      </p:nvGrpSpPr>
+      <p:grpSpPr>
+        <a:xfrm>
+          <a:off x="0" y="0"/>
+          <a:ext cx="0" cy="0"/>
+          <a:chOff x="0" y="0"/>
+          <a:chExt cx="0" cy="0"/>
+        </a:xfrm>
+      </p:grpSpPr>
+      <p:sp>
+        <p:nvSpPr>
+          <p:cNvPr id="2" name="投影片影像版面配置區 1"/>
+          <p:cNvSpPr>
+            <a:spLocks noGrp="1" noRot="1" noChangeAspect="1"/>
+          </p:cNvSpPr>
+          <p:nvPr>
+            <p:ph type="sldImg"/>
+          </p:nvPr>
+        </p:nvSpPr>
+        <p:spPr/>
+      </p:sp>
+      <p:sp>
+        <p:nvSpPr>
+          <p:cNvPr id="3" name="備忘稿版面配置區 2"/>
+          <p:cNvSpPr>
+            <a:spLocks noGrp="1"/>
+          </p:cNvSpPr>
+          <p:nvPr>
+            <p:ph type="body" idx="1"/>
+          </p:nvPr>
+        </p:nvSpPr>
+        <p:spPr/>
+        <p:txBody>
+          <a:bodyPr/>
+          <a:lstStyle/>
+          <a:p>
+            <a:r>
+              <a:rPr lang="en-US" altLang="zh-TW" dirty="0"/>
+              <a:t>Response time</a:t>
+            </a:r>
+            <a:r>
+              <a:rPr lang="zh-TW" altLang="en-US" dirty="0"/>
+              <a:t>就是請求一條可以使用的通道所耗費的時間</a:t>
+            </a:r>
+            <a:r>
+              <a:rPr lang="en-US" altLang="zh-TW" dirty="0"/>
+              <a:t>:</a:t>
+            </a:r>
+          </a:p>
+          <a:p>
+            <a:endParaRPr lang="en-US" altLang="zh-TW" dirty="0"/>
+          </a:p>
+          <a:p>
+            <a:r>
+              <a:rPr lang="zh-TW" altLang="en-US" dirty="0"/>
+              <a:t>隨機搜索 最快 </a:t>
+            </a:r>
+            <a:endParaRPr lang="en-US" altLang="zh-TW" dirty="0"/>
+          </a:p>
+          <a:p>
+            <a:endParaRPr lang="en-US" altLang="zh-TW" dirty="0"/>
+          </a:p>
+          <a:p>
+            <a:r>
+              <a:rPr lang="zh-TW" altLang="en-US" dirty="0"/>
+              <a:t>暴力搜索算法最慢 因為要找出一條最好的</a:t>
+            </a:r>
+            <a:endParaRPr lang="en-US" altLang="zh-TW" dirty="0"/>
+          </a:p>
+          <a:p>
+            <a:endParaRPr lang="en-US" altLang="zh-TW" dirty="0"/>
+          </a:p>
+          <a:p>
+            <a:r>
+              <a:rPr lang="en-US" altLang="zh-TW" dirty="0"/>
+              <a:t>DQN</a:t>
+            </a:r>
+            <a:r>
+              <a:rPr lang="zh-TW" altLang="en-US" dirty="0"/>
+              <a:t>則在兩者之間</a:t>
+            </a:r>
+          </a:p>
+        </p:txBody>
+      </p:sp>
+      <p:sp>
+        <p:nvSpPr>
+          <p:cNvPr id="4" name="投影片編號版面配置區 3"/>
+          <p:cNvSpPr>
+            <a:spLocks noGrp="1"/>
+          </p:cNvSpPr>
+          <p:nvPr>
+            <p:ph type="sldNum" sz="quarter" idx="5"/>
+          </p:nvPr>
+        </p:nvSpPr>
+        <p:spPr/>
+        <p:txBody>
+          <a:bodyPr/>
+          <a:lstStyle/>
+          <a:p>
+            <a:fld id="{08227324-3899-4D4D-AD61-B3F74C3D6C20}" type="slidenum">
+              <a:rPr lang="en-ID" smtClean="0"/>
+              <a:t>17</a:t>
+            </a:fld>
+            <a:endParaRPr lang="en-ID"/>
+          </a:p>
+        </p:txBody>
+      </p:sp>
+    </p:spTree>
+    <p:extLst>
+      <p:ext uri="{BB962C8B-B14F-4D97-AF65-F5344CB8AC3E}">
+        <p14:creationId xmlns:p14="http://schemas.microsoft.com/office/powerpoint/2010/main" val="4068976826"/>
+      </p:ext>
+    </p:extLst>
+  </p:cSld>
+  <p:clrMapOvr>
+    <a:masterClrMapping/>
+  </p:clrMapOvr>
+</p:notes>
+</file>
+
+<file path=ppt/notesSlides/notesSlide16.xml><?xml version="1.0" encoding="utf-8"?>
+<p:notes xmlns:a="http://schemas.openxmlformats.org/drawingml/2006/main" xmlns:r="http://schemas.openxmlformats.org/officeDocument/2006/relationships" xmlns:p="http://schemas.openxmlformats.org/presentationml/2006/main">
+  <p:cSld>
+    <p:spTree>
+      <p:nvGrpSpPr>
+        <p:cNvPr id="1" name=""/>
+        <p:cNvGrpSpPr/>
+        <p:nvPr/>
+      </p:nvGrpSpPr>
+      <p:grpSpPr>
+        <a:xfrm>
+          <a:off x="0" y="0"/>
+          <a:ext cx="0" cy="0"/>
+          <a:chOff x="0" y="0"/>
+          <a:chExt cx="0" cy="0"/>
+        </a:xfrm>
+      </p:grpSpPr>
+      <p:sp>
+        <p:nvSpPr>
+          <p:cNvPr id="2" name="投影片影像版面配置區 1"/>
+          <p:cNvSpPr>
+            <a:spLocks noGrp="1" noRot="1" noChangeAspect="1"/>
+          </p:cNvSpPr>
+          <p:nvPr>
+            <p:ph type="sldImg"/>
+          </p:nvPr>
+        </p:nvSpPr>
+        <p:spPr/>
+      </p:sp>
+      <p:sp>
+        <p:nvSpPr>
+          <p:cNvPr id="3" name="備忘稿版面配置區 2"/>
+          <p:cNvSpPr>
+            <a:spLocks noGrp="1"/>
+          </p:cNvSpPr>
+          <p:nvPr>
+            <p:ph type="body" idx="1"/>
+          </p:nvPr>
+        </p:nvSpPr>
+        <p:spPr/>
+        <p:txBody>
+          <a:bodyPr/>
+          <a:lstStyle/>
+          <a:p>
+            <a:r>
+              <a:rPr lang="zh-TW" altLang="en-US" dirty="0"/>
+              <a:t>基於</a:t>
+            </a:r>
+            <a:r>
+              <a:rPr lang="en-US" altLang="zh-TW" dirty="0"/>
+              <a:t>DQN</a:t>
+            </a:r>
+            <a:r>
+              <a:rPr lang="zh-TW" altLang="en-US" dirty="0"/>
+              <a:t>的</a:t>
+            </a:r>
+            <a:r>
+              <a:rPr lang="en-US" altLang="zh-TW" dirty="0"/>
+              <a:t>SFC</a:t>
+            </a:r>
+            <a:r>
+              <a:rPr lang="zh-TW" altLang="en-US" dirty="0"/>
+              <a:t>算法，它綜合考慮</a:t>
+            </a:r>
+            <a:r>
+              <a:rPr lang="en-US" altLang="zh-TW" dirty="0"/>
+              <a:t>QoS</a:t>
+            </a:r>
+            <a:r>
+              <a:rPr lang="zh-TW" altLang="en-US" dirty="0"/>
+              <a:t>和</a:t>
+            </a:r>
+            <a:r>
+              <a:rPr lang="en-US" altLang="zh-TW" dirty="0" err="1"/>
+              <a:t>QoE</a:t>
+            </a:r>
+            <a:r>
+              <a:rPr lang="zh-TW" altLang="en-US" dirty="0"/>
+              <a:t>作為製定獎勵的關鍵要素。實驗表明，它適用於</a:t>
+            </a:r>
+            <a:r>
+              <a:rPr lang="en-US" altLang="zh-TW" dirty="0"/>
+              <a:t>5</a:t>
+            </a:r>
+            <a:r>
+              <a:rPr lang="zh-TW" altLang="en-US" dirty="0"/>
+              <a:t>個核心網的動態</a:t>
+            </a:r>
+            <a:r>
+              <a:rPr lang="en-US" altLang="zh-TW" dirty="0"/>
+              <a:t>QoS</a:t>
+            </a:r>
+            <a:r>
+              <a:rPr lang="zh-TW" altLang="en-US" dirty="0"/>
+              <a:t>環境中的服務功能鏈。在實際場景中服務功能鏈可能涉及跨切片網絡功能，這可能會引入分層編排設計。</a:t>
+            </a:r>
+          </a:p>
+        </p:txBody>
+      </p:sp>
+      <p:sp>
+        <p:nvSpPr>
+          <p:cNvPr id="4" name="投影片編號版面配置區 3"/>
+          <p:cNvSpPr>
+            <a:spLocks noGrp="1"/>
+          </p:cNvSpPr>
+          <p:nvPr>
+            <p:ph type="sldNum" sz="quarter" idx="5"/>
+          </p:nvPr>
+        </p:nvSpPr>
+        <p:spPr/>
+        <p:txBody>
+          <a:bodyPr/>
+          <a:lstStyle/>
+          <a:p>
+            <a:fld id="{08227324-3899-4D4D-AD61-B3F74C3D6C20}" type="slidenum">
+              <a:rPr lang="en-ID" smtClean="0"/>
+              <a:t>18</a:t>
             </a:fld>
             <a:endParaRPr lang="en-ID"/>
           </a:p>
@@ -1384,10 +2146,10 @@
                 <a:ea typeface="+mn-ea"/>
                 <a:cs typeface="+mn-cs"/>
               </a:rPr>
-              <a:t>是一種</a:t>
-            </a:r>
-            <a:r>
-              <a:rPr lang="en-US" altLang="zh-TW" sz="1200" b="0" i="0" u="none" strike="noStrike" kern="1200" dirty="0">
+              <a:t>為什麽會出現</a:t>
+            </a:r>
+            <a:r>
+              <a:rPr lang="en-US" altLang="zh-TW" sz="1200" b="0" i="0" kern="1200" dirty="0">
                 <a:solidFill>
                   <a:schemeClr val="tx1"/>
                 </a:solidFill>
@@ -1396,7 +2158,7 @@
                 <a:ea typeface="+mn-ea"/>
                 <a:cs typeface="+mn-cs"/>
               </a:rPr>
-              <a:t>linking layer</a:t>
+              <a:t>LLDP</a:t>
             </a:r>
             <a:r>
               <a:rPr lang="zh-TW" altLang="en-US" sz="1200" b="0" i="0" kern="1200" dirty="0">
@@ -1408,10 +2170,13 @@
                 <a:ea typeface="+mn-ea"/>
                 <a:cs typeface="+mn-cs"/>
               </a:rPr>
-              <a:t>協定，網路裝置</a:t>
-            </a:r>
-            <a:r>
-              <a:rPr lang="en-US" altLang="zh-TW" sz="1200" b="0" i="0" kern="1200" dirty="0">
+              <a:t>？</a:t>
+            </a:r>
+            <a:br>
+              <a:rPr lang="zh-TW" altLang="en-US" dirty="0"/>
+            </a:br>
+            <a:r>
+              <a:rPr lang="zh-TW" altLang="en-US" sz="1200" b="0" i="0" kern="1200" dirty="0">
                 <a:solidFill>
                   <a:schemeClr val="tx1"/>
                 </a:solidFill>
@@ -1420,91 +2185,7 @@
                 <a:ea typeface="+mn-ea"/>
                 <a:cs typeface="+mn-cs"/>
               </a:rPr>
-              <a:t>(Switch, router</a:t>
-            </a:r>
-            <a:r>
-              <a:rPr lang="zh-TW" altLang="en-US" sz="1200" b="0" i="0" kern="1200" dirty="0">
-                <a:solidFill>
-                  <a:schemeClr val="tx1"/>
-                </a:solidFill>
-                <a:effectLst/>
-                <a:latin typeface="+mn-lt"/>
-                <a:ea typeface="+mn-ea"/>
-                <a:cs typeface="+mn-cs"/>
-              </a:rPr>
-              <a:t>等</a:t>
-            </a:r>
-            <a:r>
-              <a:rPr lang="en-US" altLang="zh-TW" sz="1200" b="0" i="0" kern="1200" dirty="0">
-                <a:solidFill>
-                  <a:schemeClr val="tx1"/>
-                </a:solidFill>
-                <a:effectLst/>
-                <a:latin typeface="+mn-lt"/>
-                <a:ea typeface="+mn-ea"/>
-                <a:cs typeface="+mn-cs"/>
-              </a:rPr>
-              <a:t>)</a:t>
-            </a:r>
-            <a:r>
-              <a:rPr lang="zh-TW" altLang="en-US" sz="1200" b="0" i="0" kern="1200" dirty="0">
-                <a:solidFill>
-                  <a:schemeClr val="tx1"/>
-                </a:solidFill>
-                <a:effectLst/>
-                <a:latin typeface="+mn-lt"/>
-                <a:ea typeface="+mn-ea"/>
-                <a:cs typeface="+mn-cs"/>
-              </a:rPr>
-              <a:t>可以通過在本地網路中傳送</a:t>
-            </a:r>
-            <a:r>
-              <a:rPr lang="en-US" altLang="zh-TW" sz="1200" b="0" i="0" kern="1200" dirty="0">
-                <a:solidFill>
-                  <a:schemeClr val="tx1"/>
-                </a:solidFill>
-                <a:effectLst/>
-                <a:latin typeface="+mn-lt"/>
-                <a:ea typeface="+mn-ea"/>
-                <a:cs typeface="+mn-cs"/>
-              </a:rPr>
-              <a:t>LLDPDU</a:t>
-            </a:r>
-            <a:r>
-              <a:rPr lang="zh-TW" altLang="en-US" sz="1200" b="0" i="0" kern="1200" dirty="0">
-                <a:solidFill>
-                  <a:schemeClr val="tx1"/>
-                </a:solidFill>
-                <a:effectLst/>
-                <a:latin typeface="+mn-lt"/>
-                <a:ea typeface="+mn-ea"/>
-                <a:cs typeface="+mn-cs"/>
-              </a:rPr>
-              <a:t>（</a:t>
-            </a:r>
-            <a:r>
-              <a:rPr lang="en-US" altLang="zh-TW" sz="1200" b="0" i="0" kern="1200" dirty="0">
-                <a:solidFill>
-                  <a:schemeClr val="tx1"/>
-                </a:solidFill>
-                <a:effectLst/>
-                <a:latin typeface="+mn-lt"/>
-                <a:ea typeface="+mn-ea"/>
-                <a:cs typeface="+mn-cs"/>
-              </a:rPr>
-              <a:t>Link Layer Discovery Protocol Data Unit</a:t>
-            </a:r>
-            <a:r>
-              <a:rPr lang="zh-TW" altLang="en-US" sz="1200" b="0" i="0" kern="1200" dirty="0">
-                <a:solidFill>
-                  <a:schemeClr val="tx1"/>
-                </a:solidFill>
-                <a:effectLst/>
-                <a:latin typeface="+mn-lt"/>
-                <a:ea typeface="+mn-ea"/>
-                <a:cs typeface="+mn-cs"/>
-              </a:rPr>
-              <a:t>）來通告其他裝置自身的狀態。是一種能夠使網路中的裝置互相發現並告知狀態資訊並且保存的協定。</a:t>
+              <a:t>隨著網絡技術的發展，接入網絡的設備的種類越來越多，配置越來越復雜，這就導致在一個網絡中往往會有很多具有不同特性的、來自不同廠商的設備，為了方便對這樣的網絡進行管理，就需要使得不同廠商的設備能夠在網絡中相互發現並交互各自的系統及配置信息。</a:t>
             </a:r>
             <a:endParaRPr lang="en-US" altLang="zh-TW" sz="1200" b="0" i="0" kern="1200" dirty="0">
               <a:solidFill>
@@ -1518,7 +2199,7 @@
           </a:p>
           <a:p>
             <a:r>
-              <a:rPr lang="zh-CN" altLang="en-US" sz="1200" b="0" i="0" kern="1200" dirty="0">
+              <a:rPr lang="en-US" altLang="zh-TW" sz="1200" b="0" i="0" kern="1200" dirty="0">
                 <a:solidFill>
                   <a:schemeClr val="tx1"/>
                 </a:solidFill>
@@ -1527,7 +2208,162 @@
                 <a:ea typeface="+mn-ea"/>
                 <a:cs typeface="+mn-cs"/>
               </a:rPr>
-              <a:t>封装有</a:t>
+              <a:t>LLDP</a:t>
+            </a:r>
+            <a:r>
+              <a:rPr lang="zh-TW" altLang="en-US" sz="1200" b="0" i="0" kern="1200" dirty="0">
+                <a:solidFill>
+                  <a:schemeClr val="tx1"/>
+                </a:solidFill>
+                <a:effectLst/>
+                <a:latin typeface="+mn-lt"/>
+                <a:ea typeface="+mn-ea"/>
+                <a:cs typeface="+mn-cs"/>
+              </a:rPr>
+              <a:t>是一種</a:t>
+            </a:r>
+            <a:r>
+              <a:rPr lang="en-US" altLang="zh-TW" sz="1200" b="0" i="0" u="none" strike="noStrike" kern="1200" dirty="0">
+                <a:solidFill>
+                  <a:schemeClr val="tx1"/>
+                </a:solidFill>
+                <a:effectLst/>
+                <a:latin typeface="+mn-lt"/>
+                <a:ea typeface="+mn-ea"/>
+                <a:cs typeface="+mn-cs"/>
+              </a:rPr>
+              <a:t>linking layer</a:t>
+            </a:r>
+            <a:r>
+              <a:rPr lang="zh-TW" altLang="en-US" sz="1200" b="0" i="0" kern="1200" dirty="0">
+                <a:solidFill>
+                  <a:schemeClr val="tx1"/>
+                </a:solidFill>
+                <a:effectLst/>
+                <a:latin typeface="+mn-lt"/>
+                <a:ea typeface="+mn-ea"/>
+                <a:cs typeface="+mn-cs"/>
+              </a:rPr>
+              <a:t>協定，網路裝置</a:t>
+            </a:r>
+            <a:r>
+              <a:rPr lang="en-US" altLang="zh-TW" sz="1200" b="0" i="0" kern="1200" dirty="0">
+                <a:solidFill>
+                  <a:schemeClr val="tx1"/>
+                </a:solidFill>
+                <a:effectLst/>
+                <a:latin typeface="+mn-lt"/>
+                <a:ea typeface="+mn-ea"/>
+                <a:cs typeface="+mn-cs"/>
+              </a:rPr>
+              <a:t>(Switch, router</a:t>
+            </a:r>
+            <a:r>
+              <a:rPr lang="zh-TW" altLang="en-US" sz="1200" b="0" i="0" kern="1200" dirty="0">
+                <a:solidFill>
+                  <a:schemeClr val="tx1"/>
+                </a:solidFill>
+                <a:effectLst/>
+                <a:latin typeface="+mn-lt"/>
+                <a:ea typeface="+mn-ea"/>
+                <a:cs typeface="+mn-cs"/>
+              </a:rPr>
+              <a:t>等</a:t>
+            </a:r>
+            <a:r>
+              <a:rPr lang="en-US" altLang="zh-TW" sz="1200" b="0" i="0" kern="1200" dirty="0">
+                <a:solidFill>
+                  <a:schemeClr val="tx1"/>
+                </a:solidFill>
+                <a:effectLst/>
+                <a:latin typeface="+mn-lt"/>
+                <a:ea typeface="+mn-ea"/>
+                <a:cs typeface="+mn-cs"/>
+              </a:rPr>
+              <a:t>)</a:t>
+            </a:r>
+            <a:r>
+              <a:rPr lang="zh-TW" altLang="en-US" sz="1200" b="0" i="0" kern="1200" dirty="0">
+                <a:solidFill>
+                  <a:schemeClr val="tx1"/>
+                </a:solidFill>
+                <a:effectLst/>
+                <a:latin typeface="+mn-lt"/>
+                <a:ea typeface="+mn-ea"/>
+                <a:cs typeface="+mn-cs"/>
+              </a:rPr>
+              <a:t>可以通過在網路中傳送</a:t>
+            </a:r>
+            <a:r>
+              <a:rPr lang="en-US" altLang="zh-TW" sz="1200" b="0" i="0" kern="1200" dirty="0">
+                <a:solidFill>
+                  <a:schemeClr val="tx1"/>
+                </a:solidFill>
+                <a:effectLst/>
+                <a:latin typeface="+mn-lt"/>
+                <a:ea typeface="+mn-ea"/>
+                <a:cs typeface="+mn-cs"/>
+              </a:rPr>
+              <a:t>LLDPDU</a:t>
+            </a:r>
+            <a:r>
+              <a:rPr lang="zh-TW" altLang="en-US" sz="1200" b="0" i="0" kern="1200" dirty="0">
+                <a:solidFill>
+                  <a:schemeClr val="tx1"/>
+                </a:solidFill>
+                <a:effectLst/>
+                <a:latin typeface="+mn-lt"/>
+                <a:ea typeface="+mn-ea"/>
+                <a:cs typeface="+mn-cs"/>
+              </a:rPr>
+              <a:t>（</a:t>
+            </a:r>
+            <a:r>
+              <a:rPr lang="en-US" altLang="zh-TW" sz="1200" b="0" i="0" kern="1200" dirty="0">
+                <a:solidFill>
+                  <a:schemeClr val="tx1"/>
+                </a:solidFill>
+                <a:effectLst/>
+                <a:latin typeface="+mn-lt"/>
+                <a:ea typeface="+mn-ea"/>
+                <a:cs typeface="+mn-cs"/>
+              </a:rPr>
+              <a:t>Link Layer Discovery Protocol Data Unit</a:t>
+            </a:r>
+            <a:r>
+              <a:rPr lang="zh-TW" altLang="en-US" sz="1200" b="0" i="0" kern="1200" dirty="0">
+                <a:solidFill>
+                  <a:schemeClr val="tx1"/>
+                </a:solidFill>
+                <a:effectLst/>
+                <a:latin typeface="+mn-lt"/>
+                <a:ea typeface="+mn-ea"/>
+                <a:cs typeface="+mn-cs"/>
+              </a:rPr>
+              <a:t>）來通告其他裝置自身的狀態。是一種能夠使網路中的裝置互相發現、告知狀態資訊並且保存的協定。</a:t>
+            </a:r>
+            <a:endParaRPr lang="en-US" altLang="zh-TW" sz="1200" b="0" i="0" kern="1200" dirty="0">
+              <a:solidFill>
+                <a:schemeClr val="tx1"/>
+              </a:solidFill>
+              <a:effectLst/>
+              <a:latin typeface="+mn-lt"/>
+              <a:ea typeface="+mn-ea"/>
+              <a:cs typeface="+mn-cs"/>
+            </a:endParaRPr>
+          </a:p>
+          <a:p>
+            <a:r>
+              <a:rPr lang="zh-CN" altLang="en-US" sz="1200" b="0" i="0" kern="1200" dirty="0">
+                <a:solidFill>
+                  <a:schemeClr val="tx1"/>
+                </a:solidFill>
+                <a:effectLst/>
+                <a:latin typeface="+mn-lt"/>
+                <a:ea typeface="+mn-ea"/>
+                <a:cs typeface="+mn-cs"/>
+              </a:rPr>
+              <a:t>装有</a:t>
             </a:r>
             <a:r>
               <a:rPr lang="en-US" altLang="zh-CN" sz="1200" b="0" i="0" kern="1200" dirty="0">
@@ -2572,89 +3408,19 @@
           <a:bodyPr/>
           <a:lstStyle/>
           <a:p>
-            <a:r>
-              <a:rPr lang="zh-TW" altLang="en-US" dirty="0"/>
-              <a:t>我們可以將</a:t>
+            <a:endParaRPr lang="en-US" altLang="zh-TW" dirty="0"/>
+          </a:p>
+          <a:p>
+            <a:r>
+              <a:rPr lang="en-US" altLang="zh-TW" dirty="0" err="1"/>
+              <a:t>QoE</a:t>
             </a:r>
             <a:r>
               <a:rPr lang="en-US" altLang="zh-TW" dirty="0"/>
-              <a:t>QoS</a:t>
-            </a:r>
-            <a:r>
-              <a:rPr lang="zh-TW" altLang="en-US" dirty="0"/>
-              <a:t>信息作為自定義</a:t>
-            </a:r>
-            <a:r>
-              <a:rPr lang="en-US" altLang="zh-TW" dirty="0"/>
-              <a:t>TLV</a:t>
-            </a:r>
-            <a:r>
-              <a:rPr lang="zh-TW" altLang="en-US" dirty="0"/>
-              <a:t>包含在</a:t>
-            </a:r>
-            <a:r>
-              <a:rPr lang="en-US" altLang="zh-TW" dirty="0"/>
-              <a:t>LLDP</a:t>
-            </a:r>
-            <a:r>
-              <a:rPr lang="zh-TW" altLang="en-US" dirty="0"/>
-              <a:t>數據包中。 以這種方式，</a:t>
-            </a:r>
-            <a:r>
-              <a:rPr lang="en-US" altLang="zh-TW" dirty="0"/>
-              <a:t>LLDP</a:t>
-            </a:r>
-            <a:r>
-              <a:rPr lang="zh-TW" altLang="en-US" dirty="0"/>
-              <a:t>可以被視為包含</a:t>
-            </a:r>
-            <a:r>
-              <a:rPr lang="en-US" altLang="zh-TW" dirty="0"/>
-              <a:t>QoS</a:t>
-            </a:r>
-            <a:r>
-              <a:rPr lang="zh-TW" altLang="en-US" dirty="0"/>
-              <a:t>信息（即，基於</a:t>
-            </a:r>
-            <a:r>
-              <a:rPr lang="en-US" altLang="zh-TW" dirty="0"/>
-              <a:t>LLDP</a:t>
-            </a:r>
-            <a:r>
-              <a:rPr lang="zh-TW" altLang="en-US" dirty="0"/>
-              <a:t>的</a:t>
-            </a:r>
-            <a:r>
-              <a:rPr lang="en-US" altLang="zh-TW" dirty="0"/>
-              <a:t>QoS</a:t>
-            </a:r>
-            <a:r>
-              <a:rPr lang="zh-TW" altLang="en-US" dirty="0"/>
-              <a:t>）和其他有用屬性作為其有效載荷的“渡輪”。 我們如圖所示定義</a:t>
-            </a:r>
-            <a:r>
-              <a:rPr lang="en-US" altLang="zh-TW" dirty="0"/>
-              <a:t>QoS TLV</a:t>
-            </a:r>
-            <a:r>
-              <a:rPr lang="zh-TW" altLang="en-US" dirty="0"/>
-              <a:t>。</a:t>
-            </a:r>
-            <a:endParaRPr lang="en-US" altLang="zh-TW" dirty="0"/>
-          </a:p>
-          <a:p>
-            <a:endParaRPr lang="en-US" altLang="zh-TW" dirty="0"/>
-          </a:p>
-          <a:p>
-            <a:endParaRPr lang="en-US" altLang="zh-TW" dirty="0"/>
-          </a:p>
-          <a:p>
-            <a:r>
-              <a:rPr lang="en-US" altLang="zh-TW" dirty="0"/>
-              <a:t>(</a:t>
-            </a:r>
-            <a:r>
-              <a:rPr lang="zh-TW" altLang="en-US" sz="1200" b="0" i="0" kern="1200" dirty="0">
+              <a:t>: </a:t>
+            </a:r>
+            <a:r>
+              <a:rPr lang="en-US" altLang="zh-CN" sz="1200" b="0" i="0" kern="1200" dirty="0" err="1">
                 <a:solidFill>
                   <a:schemeClr val="tx1"/>
                 </a:solidFill>
@@ -2663,10 +3429,10 @@
                 <a:ea typeface="+mn-ea"/>
                 <a:cs typeface="+mn-cs"/>
               </a:rPr>
-              <a:t>封包到達目的地的時間長短不一，稱為</a:t>
-            </a:r>
-            <a:r>
-              <a:rPr lang="en-US" altLang="zh-TW" sz="1200" b="0" i="1" kern="1200" dirty="0">
+              <a:t>QoE</a:t>
+            </a:r>
+            <a:r>
+              <a:rPr lang="zh-CN" altLang="en-US" sz="1200" b="0" i="0" kern="1200" dirty="0">
                 <a:solidFill>
                   <a:schemeClr val="tx1"/>
                 </a:solidFill>
@@ -2675,10 +3441,10 @@
                 <a:ea typeface="+mn-ea"/>
                 <a:cs typeface="+mn-cs"/>
               </a:rPr>
-              <a:t>jitter</a:t>
-            </a:r>
-            <a:r>
-              <a:rPr lang="en-US" altLang="zh-TW" sz="1200" b="0" i="0" kern="1200" dirty="0">
+              <a:t>的评价主体是终端用户</a:t>
+            </a:r>
+            <a:r>
+              <a:rPr lang="zh-TW" altLang="en-US" sz="1200" b="0" i="0" kern="1200" dirty="0">
                 <a:solidFill>
                   <a:schemeClr val="tx1"/>
                 </a:solidFill>
@@ -2687,10 +3453,10 @@
                 <a:ea typeface="+mn-ea"/>
                 <a:cs typeface="+mn-cs"/>
               </a:rPr>
-              <a:t>(</a:t>
-            </a:r>
-            <a:r>
-              <a:rPr lang="zh-TW" altLang="en-US" sz="1200" b="0" i="0" kern="1200" dirty="0">
+              <a:t>，</a:t>
+            </a:r>
+            <a:r>
+              <a:rPr lang="zh-CN" altLang="en-US" sz="1200" b="0" i="0" kern="1200" dirty="0">
                 <a:solidFill>
                   <a:schemeClr val="tx1"/>
                 </a:solidFill>
@@ -2699,10 +3465,10 @@
                 <a:ea typeface="+mn-ea"/>
                 <a:cs typeface="+mn-cs"/>
               </a:rPr>
-              <a:t>抖動</a:t>
-            </a:r>
-            <a:r>
-              <a:rPr lang="en-US" altLang="zh-TW" sz="1200" b="0" i="0" kern="1200" dirty="0">
+              <a:t>评价对象是网络</a:t>
+            </a:r>
+            <a:r>
+              <a:rPr lang="zh-TW" altLang="en-US" sz="1200" b="0" i="0" kern="1200" dirty="0">
                 <a:solidFill>
                   <a:schemeClr val="tx1"/>
                 </a:solidFill>
@@ -2711,8 +3477,302 @@
                 <a:ea typeface="+mn-ea"/>
                 <a:cs typeface="+mn-cs"/>
               </a:rPr>
-              <a:t>))</a:t>
-            </a:r>
+              <a:t>  </a:t>
+            </a:r>
+            <a:r>
+              <a:rPr lang="zh-CN" altLang="en-US" sz="1200" b="0" i="0" kern="1200" dirty="0">
+                <a:solidFill>
+                  <a:schemeClr val="tx1"/>
+                </a:solidFill>
+                <a:effectLst/>
+                <a:latin typeface="+mn-lt"/>
+                <a:ea typeface="+mn-ea"/>
+                <a:cs typeface="+mn-cs"/>
+              </a:rPr>
+              <a:t>用户对设备、网络和系统、应用或业务的质量和性能的主观感受</a:t>
+            </a:r>
+            <a:r>
+              <a:rPr lang="zh-TW" altLang="en-US" sz="1200" b="0" i="0" kern="1200" dirty="0">
+                <a:solidFill>
+                  <a:schemeClr val="tx1"/>
+                </a:solidFill>
+                <a:effectLst/>
+                <a:latin typeface="+mn-lt"/>
+                <a:ea typeface="+mn-ea"/>
+                <a:cs typeface="+mn-cs"/>
+              </a:rPr>
+              <a:t> </a:t>
+            </a:r>
+            <a:r>
+              <a:rPr lang="en-US" altLang="zh-TW" sz="1200" b="0" i="0" kern="1200" dirty="0">
+                <a:solidFill>
+                  <a:schemeClr val="tx1"/>
+                </a:solidFill>
+                <a:effectLst/>
+                <a:latin typeface="+mn-lt"/>
+                <a:ea typeface="+mn-ea"/>
+                <a:cs typeface="+mn-cs"/>
+              </a:rPr>
+              <a:t>(</a:t>
+            </a:r>
+            <a:r>
+              <a:rPr lang="zh-CN" altLang="en-US" sz="1200" b="0" i="0" kern="1200" dirty="0">
+                <a:solidFill>
+                  <a:schemeClr val="tx1"/>
+                </a:solidFill>
+                <a:effectLst/>
+                <a:latin typeface="+mn-lt"/>
+                <a:ea typeface="+mn-ea"/>
+                <a:cs typeface="+mn-cs"/>
+              </a:rPr>
+              <a:t>用户感受到的完成整个过程的难易程度</a:t>
+            </a:r>
+            <a:r>
+              <a:rPr lang="en-US" altLang="zh-TW" sz="1200" b="0" i="0" kern="1200" dirty="0">
+                <a:solidFill>
+                  <a:schemeClr val="tx1"/>
+                </a:solidFill>
+                <a:effectLst/>
+                <a:latin typeface="+mn-lt"/>
+                <a:ea typeface="+mn-ea"/>
+                <a:cs typeface="+mn-cs"/>
+              </a:rPr>
+              <a:t>)</a:t>
+            </a:r>
+            <a:endParaRPr lang="en-US" altLang="zh-CN" sz="1200" b="0" i="0" kern="1200" dirty="0">
+              <a:solidFill>
+                <a:schemeClr val="tx1"/>
+              </a:solidFill>
+              <a:effectLst/>
+              <a:latin typeface="+mn-lt"/>
+              <a:ea typeface="+mn-ea"/>
+              <a:cs typeface="+mn-cs"/>
+            </a:endParaRPr>
+          </a:p>
+          <a:p>
+            <a:endParaRPr lang="en-US" altLang="zh-CN" sz="1200" b="0" i="0" kern="1200" dirty="0">
+              <a:solidFill>
+                <a:schemeClr val="tx1"/>
+              </a:solidFill>
+              <a:effectLst/>
+              <a:latin typeface="+mn-lt"/>
+              <a:ea typeface="+mn-ea"/>
+              <a:cs typeface="+mn-cs"/>
+            </a:endParaRPr>
+          </a:p>
+          <a:p>
+            <a:pPr marL="0" marR="0" lvl="0" indent="0" algn="l" defTabSz="914400" rtl="0" eaLnBrk="1" fontAlgn="auto" latinLnBrk="0" hangingPunct="1">
+              <a:lnSpc>
+                <a:spcPct val="100000"/>
+              </a:lnSpc>
+              <a:spcBef>
+                <a:spcPts val="0"/>
+              </a:spcBef>
+              <a:spcAft>
+                <a:spcPts val="0"/>
+              </a:spcAft>
+              <a:buClrTx/>
+              <a:buSzTx/>
+              <a:buFontTx/>
+              <a:buNone/>
+              <a:tabLst/>
+              <a:defRPr/>
+            </a:pPr>
+            <a:r>
+              <a:rPr lang="en-US" altLang="zh-TW" dirty="0"/>
+              <a:t>QoS:</a:t>
+            </a:r>
+            <a:r>
+              <a:rPr lang="zh-CN" altLang="en-US" sz="1200" b="0" i="0" kern="1200" dirty="0">
+                <a:solidFill>
+                  <a:schemeClr val="tx1"/>
+                </a:solidFill>
+                <a:effectLst/>
+                <a:latin typeface="+mn-lt"/>
+                <a:ea typeface="+mn-ea"/>
+                <a:cs typeface="+mn-cs"/>
+              </a:rPr>
+              <a:t>对于</a:t>
+            </a:r>
+            <a:r>
+              <a:rPr lang="en-US" altLang="zh-CN" sz="1200" b="0" i="0" kern="1200" dirty="0" err="1">
+                <a:solidFill>
+                  <a:schemeClr val="tx1"/>
+                </a:solidFill>
+                <a:effectLst/>
+                <a:latin typeface="+mn-lt"/>
+                <a:ea typeface="+mn-ea"/>
+                <a:cs typeface="+mn-cs"/>
+              </a:rPr>
+              <a:t>QoE</a:t>
+            </a:r>
+            <a:r>
+              <a:rPr lang="zh-CN" altLang="en-US" sz="1200" b="0" i="0" kern="1200" dirty="0">
+                <a:solidFill>
+                  <a:schemeClr val="tx1"/>
+                </a:solidFill>
+                <a:effectLst/>
+                <a:latin typeface="+mn-lt"/>
+                <a:ea typeface="+mn-ea"/>
+                <a:cs typeface="+mn-cs"/>
+              </a:rPr>
+              <a:t>而言，</a:t>
+            </a:r>
+            <a:r>
+              <a:rPr lang="en-US" altLang="zh-CN" sz="1200" b="0" i="0" kern="1200" dirty="0">
+                <a:solidFill>
+                  <a:schemeClr val="tx1"/>
+                </a:solidFill>
+                <a:effectLst/>
+                <a:latin typeface="+mn-lt"/>
+                <a:ea typeface="+mn-ea"/>
+                <a:cs typeface="+mn-cs"/>
+              </a:rPr>
+              <a:t>QoS</a:t>
+            </a:r>
+            <a:r>
+              <a:rPr lang="zh-CN" altLang="en-US" sz="1200" b="0" i="0" kern="1200" dirty="0">
+                <a:solidFill>
+                  <a:schemeClr val="tx1"/>
+                </a:solidFill>
+                <a:effectLst/>
+                <a:latin typeface="+mn-lt"/>
+                <a:ea typeface="+mn-ea"/>
+                <a:cs typeface="+mn-cs"/>
+              </a:rPr>
+              <a:t>是为了保证或增加</a:t>
+            </a:r>
+            <a:r>
+              <a:rPr lang="en-US" altLang="zh-CN" sz="1200" b="0" i="0" kern="1200" dirty="0" err="1">
+                <a:solidFill>
+                  <a:schemeClr val="tx1"/>
+                </a:solidFill>
+                <a:effectLst/>
+                <a:latin typeface="+mn-lt"/>
+                <a:ea typeface="+mn-ea"/>
+                <a:cs typeface="+mn-cs"/>
+              </a:rPr>
+              <a:t>QoE</a:t>
+            </a:r>
+            <a:r>
+              <a:rPr lang="zh-CN" altLang="en-US" sz="1200" b="0" i="0" kern="1200" dirty="0">
+                <a:solidFill>
+                  <a:schemeClr val="tx1"/>
+                </a:solidFill>
+                <a:effectLst/>
+                <a:latin typeface="+mn-lt"/>
+                <a:ea typeface="+mn-ea"/>
+                <a:cs typeface="+mn-cs"/>
+              </a:rPr>
+              <a:t>而应用在网络上的技术体制</a:t>
+            </a:r>
+            <a:r>
+              <a:rPr lang="zh-TW" altLang="en-US" sz="1200" b="0" i="0" kern="1200" dirty="0">
+                <a:solidFill>
+                  <a:schemeClr val="tx1"/>
+                </a:solidFill>
+                <a:effectLst/>
+                <a:latin typeface="+mn-lt"/>
+                <a:ea typeface="+mn-ea"/>
+                <a:cs typeface="+mn-cs"/>
+              </a:rPr>
+              <a:t> 指標有 </a:t>
+            </a:r>
+            <a:r>
+              <a:rPr lang="zh-CN" altLang="en-US" sz="1200" b="0" i="0" kern="1200" dirty="0">
+                <a:solidFill>
+                  <a:schemeClr val="tx1"/>
+                </a:solidFill>
+                <a:effectLst/>
+                <a:latin typeface="+mn-lt"/>
+                <a:ea typeface="+mn-ea"/>
+                <a:cs typeface="+mn-cs"/>
+              </a:rPr>
+              <a:t>可用性、</a:t>
+            </a:r>
+            <a:r>
+              <a:rPr lang="en-US" altLang="zh-TW" sz="1200" b="0" i="0" kern="1200" dirty="0">
+                <a:solidFill>
+                  <a:schemeClr val="tx1"/>
+                </a:solidFill>
+                <a:effectLst/>
+                <a:latin typeface="+mn-lt"/>
+                <a:ea typeface="+mn-ea"/>
+                <a:cs typeface="+mn-cs"/>
+              </a:rPr>
+              <a:t>capacity</a:t>
+            </a:r>
+            <a:r>
+              <a:rPr lang="zh-CN" altLang="en-US" sz="1200" b="0" i="0" kern="1200" dirty="0">
+                <a:solidFill>
+                  <a:schemeClr val="tx1"/>
+                </a:solidFill>
+                <a:effectLst/>
+                <a:latin typeface="+mn-lt"/>
+                <a:ea typeface="+mn-ea"/>
+                <a:cs typeface="+mn-cs"/>
+              </a:rPr>
+              <a:t>、</a:t>
+            </a:r>
+            <a:r>
+              <a:rPr lang="zh-TW" altLang="en-US" sz="1200" b="0" i="0" kern="1200" dirty="0">
+                <a:solidFill>
+                  <a:schemeClr val="tx1"/>
+                </a:solidFill>
+                <a:effectLst/>
+                <a:latin typeface="+mn-lt"/>
+                <a:ea typeface="+mn-ea"/>
+                <a:cs typeface="+mn-cs"/>
+              </a:rPr>
+              <a:t>延遲</a:t>
+            </a:r>
+            <a:endParaRPr lang="en-US" altLang="zh-TW" dirty="0"/>
+          </a:p>
+          <a:p>
+            <a:endParaRPr lang="en-US" altLang="zh-CN" sz="1200" b="0" i="0" kern="1200" dirty="0">
+              <a:solidFill>
+                <a:schemeClr val="tx1"/>
+              </a:solidFill>
+              <a:effectLst/>
+              <a:latin typeface="+mn-lt"/>
+              <a:ea typeface="+mn-ea"/>
+              <a:cs typeface="+mn-cs"/>
+            </a:endParaRPr>
+          </a:p>
+          <a:p>
+            <a:r>
+              <a:rPr lang="en-US" altLang="zh-TW" sz="1200" b="0" i="0" kern="1200" dirty="0">
+                <a:solidFill>
+                  <a:schemeClr val="tx1"/>
+                </a:solidFill>
+                <a:effectLst/>
+                <a:latin typeface="+mn-lt"/>
+                <a:ea typeface="+mn-ea"/>
+                <a:cs typeface="+mn-cs"/>
+              </a:rPr>
+              <a:t>IQX:</a:t>
+            </a:r>
+            <a:r>
+              <a:rPr lang="zh-TW" altLang="en-US" sz="1200" b="0" i="0" kern="1200" dirty="0">
+                <a:solidFill>
+                  <a:schemeClr val="tx1"/>
+                </a:solidFill>
+                <a:effectLst/>
+                <a:latin typeface="+mn-lt"/>
+                <a:ea typeface="+mn-ea"/>
+                <a:cs typeface="+mn-cs"/>
+              </a:rPr>
+              <a:t> 兩者之間的指數相關性</a:t>
+            </a:r>
+            <a:endParaRPr lang="en-US" altLang="zh-CN" sz="1200" b="0" i="0" kern="1200" dirty="0">
+              <a:solidFill>
+                <a:schemeClr val="tx1"/>
+              </a:solidFill>
+              <a:effectLst/>
+              <a:latin typeface="+mn-lt"/>
+              <a:ea typeface="+mn-ea"/>
+              <a:cs typeface="+mn-cs"/>
+            </a:endParaRPr>
           </a:p>
           <a:p>
             <a:endParaRPr lang="zh-TW" altLang="en-US" dirty="0"/>
@@ -2745,7 +3805,7 @@
     </p:spTree>
     <p:extLst>
       <p:ext uri="{BB962C8B-B14F-4D97-AF65-F5344CB8AC3E}">
-        <p14:creationId xmlns:p14="http://schemas.microsoft.com/office/powerpoint/2010/main" val="2314501276"/>
+        <p14:creationId xmlns:p14="http://schemas.microsoft.com/office/powerpoint/2010/main" val="2469855390"/>
       </p:ext>
     </p:extLst>
   </p:cSld>
@@ -2801,47 +3861,71 @@
           <a:p>
             <a:r>
               <a:rPr lang="zh-TW" altLang="en-US" dirty="0"/>
-              <a:t>可以在沒有事先存在的情況下按需實例化</a:t>
+              <a:t>我們可以將</a:t>
             </a:r>
             <a:r>
               <a:rPr lang="en-US" altLang="zh-TW" dirty="0"/>
-              <a:t>VNF</a:t>
+              <a:t>QoS</a:t>
             </a:r>
             <a:r>
               <a:rPr lang="zh-TW" altLang="en-US" dirty="0"/>
-              <a:t>實例。換句話說，只要有足夠的資源用於實例化，託管</a:t>
+              <a:t>信息作為自定義</a:t>
             </a:r>
             <a:r>
               <a:rPr lang="en-US" altLang="zh-TW" dirty="0"/>
-              <a:t>VNF</a:t>
+              <a:t>TLV</a:t>
             </a:r>
             <a:r>
               <a:rPr lang="zh-TW" altLang="en-US" dirty="0"/>
-              <a:t>實例的商品服務器的剩餘資源可以被視為潛在的</a:t>
+              <a:t>包含在</a:t>
             </a:r>
             <a:r>
               <a:rPr lang="en-US" altLang="zh-TW" dirty="0"/>
-              <a:t>VNF</a:t>
+              <a:t>LLDP</a:t>
             </a:r>
             <a:r>
               <a:rPr lang="zh-TW" altLang="en-US" dirty="0"/>
-              <a:t>實例，這種實例化然後再選擇它 與只根據現有</a:t>
+              <a:t>數據包中。 以這種方式，</a:t>
             </a:r>
             <a:r>
               <a:rPr lang="en-US" altLang="zh-TW" dirty="0"/>
-              <a:t>VNF</a:t>
+              <a:t>LLDP</a:t>
             </a:r>
             <a:r>
               <a:rPr lang="zh-TW" altLang="en-US" dirty="0"/>
-              <a:t>實例的選擇不同，因為它會產生額外的啟動時間，額外的功耗，額外的操作活動等，這可以被視為運營支出（</a:t>
+              <a:t>可以被視為包含</a:t>
             </a:r>
             <a:r>
               <a:rPr lang="en-US" altLang="zh-TW" dirty="0"/>
-              <a:t>OPEX</a:t>
+              <a:t>QoS</a:t>
             </a:r>
             <a:r>
               <a:rPr lang="zh-TW" altLang="en-US" dirty="0"/>
-              <a:t>），</a:t>
+              <a:t>信息（即，基於</a:t>
+            </a:r>
+            <a:r>
+              <a:rPr lang="en-US" altLang="zh-TW" dirty="0"/>
+              <a:t>LLDP</a:t>
+            </a:r>
+            <a:r>
+              <a:rPr lang="zh-TW" altLang="en-US" dirty="0"/>
+              <a:t>的</a:t>
+            </a:r>
+            <a:r>
+              <a:rPr lang="en-US" altLang="zh-TW" dirty="0"/>
+              <a:t>QoS</a:t>
+            </a:r>
+            <a:r>
+              <a:rPr lang="zh-TW" altLang="en-US" dirty="0"/>
+              <a:t>）和其他有用屬性作為其有效載荷的“渡輪”。 我們如圖所示定義</a:t>
+            </a:r>
+            <a:r>
+              <a:rPr lang="en-US" altLang="zh-TW" dirty="0"/>
+              <a:t>QoS TLV</a:t>
+            </a:r>
+            <a:r>
+              <a:rPr lang="zh-TW" altLang="en-US" dirty="0"/>
+              <a:t>。</a:t>
             </a:r>
             <a:endParaRPr lang="en-US" altLang="zh-TW" dirty="0"/>
           </a:p>
@@ -2849,51 +3933,76 @@
             <a:endParaRPr lang="en-US" altLang="zh-TW" dirty="0"/>
           </a:p>
           <a:p>
-            <a:r>
-              <a:rPr lang="zh-TW" altLang="en-US" dirty="0"/>
-              <a:t>大</a:t>
-            </a:r>
+            <a:endParaRPr lang="en-US" altLang="zh-TW" dirty="0"/>
+          </a:p>
+          <a:p>
             <a:r>
               <a:rPr lang="en-US" altLang="zh-TW" dirty="0"/>
-              <a:t>C</a:t>
-            </a:r>
-            <a:r>
-              <a:rPr lang="zh-TW" altLang="en-US" dirty="0"/>
-              <a:t>是符合要求條件的所有</a:t>
-            </a:r>
-            <a:r>
-              <a:rPr lang="en-US" altLang="zh-TW" dirty="0"/>
-              <a:t>SFC</a:t>
-            </a:r>
-          </a:p>
-          <a:p>
-            <a:endParaRPr lang="en-US" altLang="zh-TW" dirty="0"/>
-          </a:p>
-          <a:p>
-            <a:r>
-              <a:rPr lang="en-US" altLang="zh-TW" dirty="0"/>
-              <a:t>F-SFC</a:t>
-            </a:r>
-            <a:r>
-              <a:rPr lang="zh-TW" altLang="en-US" dirty="0"/>
-              <a:t>在所有候選的</a:t>
-            </a:r>
-            <a:r>
-              <a:rPr lang="en-US" altLang="zh-TW" dirty="0"/>
-              <a:t>VNF</a:t>
-            </a:r>
-            <a:r>
-              <a:rPr lang="zh-TW" altLang="en-US" dirty="0"/>
-              <a:t>中挑選</a:t>
-            </a:r>
-            <a:r>
-              <a:rPr lang="en-US" altLang="zh-TW" dirty="0" err="1"/>
-              <a:t>QoE</a:t>
-            </a:r>
-            <a:r>
-              <a:rPr lang="zh-TW" altLang="en-US" dirty="0"/>
-              <a:t>最大的</a:t>
-            </a:r>
+              <a:t>(</a:t>
+            </a:r>
+            <a:r>
+              <a:rPr lang="zh-TW" altLang="en-US" sz="1200" b="0" i="0" kern="1200" dirty="0">
+                <a:solidFill>
+                  <a:schemeClr val="tx1"/>
+                </a:solidFill>
+                <a:effectLst/>
+                <a:latin typeface="+mn-lt"/>
+                <a:ea typeface="+mn-ea"/>
+                <a:cs typeface="+mn-cs"/>
+              </a:rPr>
+              <a:t>封包到達目的地的時間長短不一，稱為</a:t>
+            </a:r>
+            <a:r>
+              <a:rPr lang="en-US" altLang="zh-TW" sz="1200" b="0" i="1" kern="1200" dirty="0">
+                <a:solidFill>
+                  <a:schemeClr val="tx1"/>
+                </a:solidFill>
+                <a:effectLst/>
+                <a:latin typeface="+mn-lt"/>
+                <a:ea typeface="+mn-ea"/>
+                <a:cs typeface="+mn-cs"/>
+              </a:rPr>
+              <a:t>jitter</a:t>
+            </a:r>
+            <a:r>
+              <a:rPr lang="en-US" altLang="zh-TW" sz="1200" b="0" i="0" kern="1200" dirty="0">
+                <a:solidFill>
+                  <a:schemeClr val="tx1"/>
+                </a:solidFill>
+                <a:effectLst/>
+                <a:latin typeface="+mn-lt"/>
+                <a:ea typeface="+mn-ea"/>
+                <a:cs typeface="+mn-cs"/>
+              </a:rPr>
+              <a:t>(</a:t>
+            </a:r>
+            <a:r>
+              <a:rPr lang="zh-TW" altLang="en-US" sz="1200" b="0" i="0" kern="1200" dirty="0">
+                <a:solidFill>
+                  <a:schemeClr val="tx1"/>
+                </a:solidFill>
+                <a:effectLst/>
+                <a:latin typeface="+mn-lt"/>
+                <a:ea typeface="+mn-ea"/>
+                <a:cs typeface="+mn-cs"/>
+              </a:rPr>
+              <a:t>抖動</a:t>
+            </a:r>
+            <a:r>
+              <a:rPr lang="en-US" altLang="zh-TW" sz="1200" b="0" i="0" kern="1200" dirty="0">
+                <a:solidFill>
+                  <a:schemeClr val="tx1"/>
+                </a:solidFill>
+                <a:effectLst/>
+                <a:latin typeface="+mn-lt"/>
+                <a:ea typeface="+mn-ea"/>
+                <a:cs typeface="+mn-cs"/>
+              </a:rPr>
+              <a:t>))</a:t>
+            </a:r>
+          </a:p>
+          <a:p>
+            <a:endParaRPr lang="zh-TW" altLang="en-US" dirty="0"/>
           </a:p>
         </p:txBody>
       </p:sp>
@@ -2923,7 +4032,7 @@
     </p:spTree>
     <p:extLst>
       <p:ext uri="{BB962C8B-B14F-4D97-AF65-F5344CB8AC3E}">
-        <p14:creationId xmlns:p14="http://schemas.microsoft.com/office/powerpoint/2010/main" val="4252890362"/>
+        <p14:creationId xmlns:p14="http://schemas.microsoft.com/office/powerpoint/2010/main" val="2314501276"/>
       </p:ext>
     </p:extLst>
   </p:cSld>
@@ -2978,22 +4087,100 @@
           <a:lstStyle/>
           <a:p>
             <a:r>
+              <a:rPr lang="zh-TW" altLang="en-US" dirty="0"/>
+              <a:t>可以在沒有事先存在的情況下按需實例化</a:t>
+            </a:r>
+            <a:r>
+              <a:rPr lang="en-US" altLang="zh-TW" dirty="0"/>
+              <a:t>VNF</a:t>
+            </a:r>
+            <a:r>
+              <a:rPr lang="zh-TW" altLang="en-US" dirty="0"/>
+              <a:t>實例。換句話說，只要有足夠的資源用於實例化，託管</a:t>
+            </a:r>
+            <a:r>
+              <a:rPr lang="en-US" altLang="zh-TW" dirty="0"/>
+              <a:t>VNF</a:t>
+            </a:r>
+            <a:r>
+              <a:rPr lang="zh-TW" altLang="en-US" dirty="0"/>
+              <a:t>實例的商品服務器的剩餘資源可以被視為潛在的</a:t>
+            </a:r>
+            <a:r>
+              <a:rPr lang="en-US" altLang="zh-TW" dirty="0"/>
+              <a:t>VNF</a:t>
+            </a:r>
+            <a:r>
+              <a:rPr lang="zh-TW" altLang="en-US" dirty="0"/>
+              <a:t>實例，這種實例化然後再選擇它 與只根據現有</a:t>
+            </a:r>
+            <a:r>
+              <a:rPr lang="en-US" altLang="zh-TW" dirty="0"/>
+              <a:t>VNF</a:t>
+            </a:r>
+            <a:r>
+              <a:rPr lang="zh-TW" altLang="en-US" dirty="0"/>
+              <a:t>實例的選擇不同，因為它會產生額外的啟動時間，額外的功耗，額外的操作活動等，這可以被視為運營支出（</a:t>
+            </a:r>
+            <a:r>
+              <a:rPr lang="en-US" altLang="zh-TW" dirty="0"/>
+              <a:t>OPEX</a:t>
+            </a:r>
+            <a:r>
+              <a:rPr lang="zh-TW" altLang="en-US" dirty="0"/>
+              <a:t>），</a:t>
+            </a:r>
+            <a:endParaRPr lang="en-US" altLang="zh-TW" dirty="0"/>
+          </a:p>
+          <a:p>
+            <a:endParaRPr lang="en-US" altLang="zh-TW" dirty="0"/>
+          </a:p>
+          <a:p>
+            <a:r>
+              <a:rPr lang="zh-TW" altLang="en-US" dirty="0"/>
+              <a:t>大</a:t>
+            </a:r>
+            <a:r>
+              <a:rPr lang="en-US" altLang="zh-TW" dirty="0"/>
+              <a:t>C</a:t>
+            </a:r>
+            <a:r>
+              <a:rPr lang="zh-TW" altLang="en-US" dirty="0"/>
+              <a:t>是符合要求條件的所有</a:t>
+            </a:r>
+            <a:r>
+              <a:rPr lang="en-US" altLang="zh-TW" dirty="0"/>
+              <a:t>SFC</a:t>
+            </a:r>
+          </a:p>
+          <a:p>
+            <a:endParaRPr lang="en-US" altLang="zh-TW" dirty="0"/>
+          </a:p>
+          <a:p>
+            <a:r>
+              <a:rPr lang="en-US" altLang="zh-TW" dirty="0"/>
+              <a:t>F-SFC</a:t>
+            </a:r>
+            <a:r>
+              <a:rPr lang="zh-TW" altLang="en-US" dirty="0"/>
+              <a:t>在所有候選的</a:t>
+            </a:r>
+            <a:r>
+              <a:rPr lang="en-US" altLang="zh-TW" dirty="0"/>
+              <a:t>VNF</a:t>
+            </a:r>
+            <a:r>
+              <a:rPr lang="zh-TW" altLang="en-US" dirty="0"/>
+              <a:t>中挑選</a:t>
+            </a:r>
+            <a:r>
               <a:rPr lang="en-US" altLang="zh-TW" dirty="0" err="1"/>
               <a:t>QoE</a:t>
             </a:r>
             <a:r>
-              <a:rPr lang="en-US" altLang="zh-TW" dirty="0"/>
-              <a:t>/QoS-aware SFC Orchestration (Q2-SFC) is the </a:t>
-            </a:r>
-            <a:r>
-              <a:rPr lang="en-US" altLang="zh-TW" dirty="0" err="1"/>
-              <a:t>QoE</a:t>
-            </a:r>
-            <a:r>
-              <a:rPr lang="en-US" altLang="zh-TW" dirty="0"/>
-              <a:t>-SFC that satisﬁes the QoS constraints of the SFC request.</a:t>
-            </a:r>
-            <a:endParaRPr lang="zh-TW" altLang="en-US" dirty="0"/>
+              <a:rPr lang="zh-TW" altLang="en-US" dirty="0"/>
+              <a:t>最大的</a:t>
+            </a:r>
           </a:p>
         </p:txBody>
       </p:sp>
@@ -3023,7 +4210,7 @@
     </p:spTree>
     <p:extLst>
       <p:ext uri="{BB962C8B-B14F-4D97-AF65-F5344CB8AC3E}">
-        <p14:creationId xmlns:p14="http://schemas.microsoft.com/office/powerpoint/2010/main" val="2339808539"/>
+        <p14:creationId xmlns:p14="http://schemas.microsoft.com/office/powerpoint/2010/main" val="4252890362"/>
       </p:ext>
     </p:extLst>
   </p:cSld>
@@ -3078,70 +4265,89 @@
           <a:lstStyle/>
           <a:p>
             <a:r>
+              <a:rPr lang="en-US" altLang="zh-TW" dirty="0" err="1"/>
+              <a:t>QoE</a:t>
+            </a:r>
+            <a:r>
+              <a:rPr lang="en-US" altLang="zh-TW" dirty="0"/>
+              <a:t>/QoS-aware SFC Orchestration (Q2-SFC) is the </a:t>
+            </a:r>
+            <a:r>
+              <a:rPr lang="en-US" altLang="zh-TW" dirty="0" err="1"/>
+              <a:t>QoE</a:t>
+            </a:r>
+            <a:r>
+              <a:rPr lang="en-US" altLang="zh-TW" dirty="0"/>
+              <a:t>-SFC that satisﬁes the QoS constraints of the SFC request.</a:t>
+            </a:r>
+          </a:p>
+          <a:p>
+            <a:endParaRPr lang="en-US" altLang="zh-TW" dirty="0"/>
+          </a:p>
+          <a:p>
+            <a:r>
+              <a:rPr lang="en-US" altLang="zh-TW" dirty="0"/>
+              <a:t>1~K </a:t>
+            </a:r>
+            <a:r>
               <a:rPr lang="zh-TW" altLang="en-US" dirty="0"/>
-              <a:t>希臘字母代表不變的常數 但是超出本篇範圍 作者不講 要讀者有興趣自己看數學</a:t>
+              <a:t>的是代表</a:t>
+            </a:r>
+            <a:r>
+              <a:rPr lang="en-US" altLang="zh-TW" dirty="0" err="1"/>
+              <a:t>qos</a:t>
+            </a:r>
+            <a:r>
+              <a:rPr lang="zh-TW" altLang="en-US" dirty="0"/>
+              <a:t>的</a:t>
             </a:r>
             <a:r>
               <a:rPr lang="en-US" altLang="zh-TW" dirty="0"/>
-              <a:t>paper</a:t>
-            </a:r>
+              <a:t>positive matrix</a:t>
+            </a:r>
+            <a:r>
+              <a:rPr lang="zh-TW" altLang="en-US" dirty="0"/>
+              <a:t> 這邊的值越高越號</a:t>
+            </a:r>
+            <a:endParaRPr lang="en-US" altLang="zh-TW" dirty="0"/>
           </a:p>
           <a:p>
             <a:r>
               <a:rPr lang="en-US" altLang="zh-TW" dirty="0"/>
-              <a:t>WFL: </a:t>
+              <a:t>k+1~L</a:t>
             </a:r>
             <a:r>
               <a:rPr lang="zh-TW" altLang="en-US" dirty="0"/>
-              <a:t>原本用戶的頻寬只有</a:t>
+              <a:t>代表</a:t>
+            </a:r>
+            <a:r>
+              <a:rPr lang="en-US" altLang="zh-TW" dirty="0" err="1"/>
+              <a:t>qos</a:t>
             </a:r>
             <a:r>
               <a:rPr lang="en-US" altLang="zh-TW" dirty="0"/>
-              <a:t>10mbps</a:t>
+              <a:t> </a:t>
             </a:r>
             <a:r>
               <a:rPr lang="zh-TW" altLang="en-US" dirty="0"/>
-              <a:t> 現在給他</a:t>
+              <a:t>的</a:t>
             </a:r>
             <a:r>
               <a:rPr lang="en-US" altLang="zh-TW" dirty="0"/>
-              <a:t>20mbps </a:t>
+              <a:t>negative</a:t>
             </a:r>
             <a:r>
               <a:rPr lang="zh-TW" altLang="en-US" dirty="0"/>
-              <a:t>用戶感覺不出有兩倍差異，但當我妹直接給他</a:t>
+              <a:t> </a:t>
             </a:r>
             <a:r>
               <a:rPr lang="en-US" altLang="zh-TW" dirty="0"/>
-              <a:t>100mpbs</a:t>
+              <a:t>matrix </a:t>
             </a:r>
             <a:r>
               <a:rPr lang="zh-TW" altLang="en-US" dirty="0"/>
-              <a:t>，用戶就能感受到明顯差別。</a:t>
-            </a:r>
-            <a:endParaRPr lang="en-US" altLang="zh-TW" dirty="0"/>
-          </a:p>
-          <a:p>
-            <a:endParaRPr lang="en-US" altLang="zh-TW" dirty="0"/>
-          </a:p>
-          <a:p>
-            <a:r>
-              <a:rPr lang="en-US" altLang="zh-TW" dirty="0"/>
-              <a:t>IQX:</a:t>
-            </a:r>
-            <a:r>
-              <a:rPr lang="zh-TW" altLang="en-US" dirty="0"/>
-              <a:t>因為</a:t>
-            </a:r>
-            <a:r>
-              <a:rPr lang="en-US" altLang="zh-TW" dirty="0"/>
-              <a:t>packet</a:t>
-            </a:r>
-            <a:r>
-              <a:rPr lang="zh-TW" altLang="en-US" dirty="0"/>
-              <a:t>丟失導致影片出現故障或暫停，會影響用戶體驗，可能造成他們不耐煩的去刷新網頁</a:t>
-            </a:r>
-            <a:endParaRPr lang="en-US" altLang="zh-TW" dirty="0"/>
+              <a:t>這邊代表越低越好</a:t>
+            </a:r>
           </a:p>
         </p:txBody>
       </p:sp>
@@ -3162,7 +4368,7 @@
           <a:p>
             <a:fld id="{08227324-3899-4D4D-AD61-B3F74C3D6C20}" type="slidenum">
               <a:rPr lang="en-ID" smtClean="0"/>
-              <a:t>10</a:t>
+              <a:t>8</a:t>
             </a:fld>
             <a:endParaRPr lang="en-ID"/>
           </a:p>
@@ -3171,7 +4377,7 @@
     </p:spTree>
     <p:extLst>
       <p:ext uri="{BB962C8B-B14F-4D97-AF65-F5344CB8AC3E}">
-        <p14:creationId xmlns:p14="http://schemas.microsoft.com/office/powerpoint/2010/main" val="2641187416"/>
+        <p14:creationId xmlns:p14="http://schemas.microsoft.com/office/powerpoint/2010/main" val="2339808539"/>
       </p:ext>
     </p:extLst>
   </p:cSld>
@@ -3210,91 +4416,354 @@
         </p:nvSpPr>
         <p:spPr/>
       </p:sp>
-      <p:sp>
-        <p:nvSpPr>
-          <p:cNvPr id="3" name="備忘稿版面配置區 2"/>
-          <p:cNvSpPr>
-            <a:spLocks noGrp="1"/>
-          </p:cNvSpPr>
-          <p:nvPr>
-            <p:ph type="body" idx="1"/>
-          </p:nvPr>
-        </p:nvSpPr>
-        <p:spPr/>
-        <p:txBody>
-          <a:bodyPr/>
-          <a:lstStyle/>
-          <a:p>
-            <a:r>
-              <a:rPr lang="zh-TW" altLang="en-US" dirty="0"/>
-              <a:t>有兩種策略來選擇</a:t>
-            </a:r>
-            <a:r>
-              <a:rPr lang="en-US" altLang="zh-TW" dirty="0"/>
-              <a:t>VNF</a:t>
-            </a:r>
-            <a:r>
-              <a:rPr lang="zh-TW" altLang="en-US" dirty="0"/>
-              <a:t>實例：</a:t>
-            </a:r>
-            <a:r>
-              <a:rPr lang="en-US" altLang="zh-TW" dirty="0"/>
-              <a:t>1</a:t>
-            </a:r>
-            <a:r>
-              <a:rPr lang="zh-TW" altLang="en-US" dirty="0"/>
-              <a:t>）它可能更喜歡選擇尚未執行的新</a:t>
-            </a:r>
-            <a:r>
-              <a:rPr lang="en-US" altLang="zh-TW" dirty="0"/>
-              <a:t>VNF</a:t>
-            </a:r>
-            <a:r>
-              <a:rPr lang="zh-TW" altLang="en-US" dirty="0"/>
-              <a:t>實例，增強對網絡情況（即探索）的感知並提高它們的概率 做出最佳決策</a:t>
-            </a:r>
-            <a:r>
-              <a:rPr lang="en-US" altLang="zh-TW" dirty="0"/>
-              <a:t>; </a:t>
-            </a:r>
-            <a:r>
-              <a:rPr lang="zh-TW" altLang="en-US" dirty="0"/>
-              <a:t>或者</a:t>
-            </a:r>
-            <a:r>
-              <a:rPr lang="en-US" altLang="zh-TW" dirty="0"/>
-              <a:t>2</a:t>
-            </a:r>
-            <a:r>
-              <a:rPr lang="zh-TW" altLang="en-US" dirty="0"/>
-              <a:t>）它還可能更喜歡根據當前網絡情況重複選擇當前已知的最佳</a:t>
-            </a:r>
-            <a:r>
-              <a:rPr lang="en-US" altLang="zh-TW" dirty="0"/>
-              <a:t>VNF</a:t>
-            </a:r>
-            <a:r>
-              <a:rPr lang="zh-TW" altLang="en-US" dirty="0"/>
-              <a:t>實例，並用相對保守的方法獲得最大已知回報 </a:t>
-            </a:r>
-            <a:endParaRPr lang="en-US" altLang="zh-TW" dirty="0"/>
-          </a:p>
-          <a:p>
-            <a:r>
-              <a:rPr lang="zh-TW" altLang="en-US" dirty="0"/>
-              <a:t>而過度開採可能會失去發現更好的替代方案的機會</a:t>
-            </a:r>
-            <a:r>
-              <a:rPr lang="en-US" altLang="zh-TW" dirty="0"/>
-              <a:t>; </a:t>
-            </a:r>
-            <a:r>
-              <a:rPr lang="zh-TW" altLang="en-US" dirty="0"/>
-              <a:t>同時，可用資源也可能因過度利用而耗盡（例如，某些節點可能過載）。</a:t>
-            </a:r>
-          </a:p>
-        </p:txBody>
-      </p:sp>
+      <mc:AlternateContent xmlns:mc="http://schemas.openxmlformats.org/markup-compatibility/2006">
+        <mc:Choice xmlns:a14="http://schemas.microsoft.com/office/drawing/2010/main" Requires="a14">
+          <p:sp>
+            <p:nvSpPr>
+              <p:cNvPr id="3" name="備忘稿版面配置區 2"/>
+              <p:cNvSpPr>
+                <a:spLocks noGrp="1"/>
+              </p:cNvSpPr>
+              <p:nvPr>
+                <p:ph type="body" idx="1"/>
+              </p:nvPr>
+            </p:nvSpPr>
+            <p:spPr/>
+            <p:txBody>
+              <a:bodyPr/>
+              <a:lstStyle/>
+              <a:p>
+                <a:pPr marL="0" marR="0" lvl="0" indent="0" algn="l" defTabSz="914400" rtl="0" eaLnBrk="1" fontAlgn="auto" latinLnBrk="0" hangingPunct="1">
+                  <a:lnSpc>
+                    <a:spcPct val="100000"/>
+                  </a:lnSpc>
+                  <a:spcBef>
+                    <a:spcPts val="0"/>
+                  </a:spcBef>
+                  <a:spcAft>
+                    <a:spcPts val="0"/>
+                  </a:spcAft>
+                  <a:buClrTx/>
+                  <a:buSzTx/>
+                  <a:buFontTx/>
+                  <a:buNone/>
+                  <a:tabLst/>
+                  <a:defRPr/>
+                </a:pPr>
+                <a:r>
+                  <a:rPr lang="zh-TW" altLang="en-US" sz="1200" b="0" i="0" u="sng" kern="1200" dirty="0">
+                    <a:solidFill>
+                      <a:schemeClr val="tx1"/>
+                    </a:solidFill>
+                    <a:effectLst/>
+                    <a:latin typeface="+mn-lt"/>
+                    <a:ea typeface="+mn-ea"/>
+                    <a:cs typeface="+mn-cs"/>
+                    <a:hlinkClick r:id="rId3"/>
+                  </a:rPr>
+                  <a:t>韋伯</a:t>
+                </a:r>
+                <a:r>
+                  <a:rPr lang="en-US" altLang="zh-TW" sz="1200" b="0" i="0" u="sng" kern="1200" dirty="0">
+                    <a:solidFill>
+                      <a:schemeClr val="tx1"/>
+                    </a:solidFill>
+                    <a:effectLst/>
+                    <a:latin typeface="+mn-lt"/>
+                    <a:ea typeface="+mn-ea"/>
+                    <a:cs typeface="+mn-cs"/>
+                    <a:hlinkClick r:id="rId3"/>
+                  </a:rPr>
+                  <a:t>-</a:t>
+                </a:r>
+                <a:r>
+                  <a:rPr lang="zh-TW" altLang="en-US" sz="1200" b="0" i="0" u="sng" kern="1200" dirty="0">
+                    <a:solidFill>
+                      <a:schemeClr val="tx1"/>
+                    </a:solidFill>
+                    <a:effectLst/>
+                    <a:latin typeface="+mn-lt"/>
+                    <a:ea typeface="+mn-ea"/>
+                    <a:cs typeface="+mn-cs"/>
+                    <a:hlinkClick r:id="rId3"/>
+                  </a:rPr>
+                  <a:t>費希納定理</a:t>
+                </a:r>
+              </a:p>
+              <a:p>
+                <a:endParaRPr lang="en-US" altLang="zh-TW" dirty="0"/>
+              </a:p>
+              <a:p>
+                <a:r>
+                  <a:rPr lang="zh-TW" altLang="en-US" dirty="0"/>
+                  <a:t>個人感受 是根據物體變化的比例而不是變化的絕對值</a:t>
+                </a:r>
+                <a:endParaRPr lang="en-US" altLang="zh-TW" dirty="0"/>
+              </a:p>
+              <a:p>
+                <a:endParaRPr lang="en-US" altLang="zh-TW" dirty="0"/>
+              </a:p>
+              <a:p>
+                <a14:m>
+                  <m:oMath xmlns:m="http://schemas.openxmlformats.org/officeDocument/2006/math">
+                    <m:r>
+                      <m:rPr>
+                        <m:sty m:val="p"/>
+                      </m:rPr>
+                      <a:rPr lang="zh-TW" altLang="en-US" smtClean="0">
+                        <a:latin typeface="Cambria Math" panose="02040503050406030204" pitchFamily="18" charset="0"/>
+                      </a:rPr>
+                      <m:t>Δ</m:t>
+                    </m:r>
+                  </m:oMath>
+                </a14:m>
+                <a:r>
+                  <a:rPr lang="en-US" altLang="zh-TW" dirty="0"/>
+                  <a:t>S</a:t>
+                </a:r>
+                <a:r>
+                  <a:rPr lang="zh-TW" altLang="en-US" dirty="0"/>
+                  <a:t> 為</a:t>
+                </a:r>
+                <a:r>
+                  <a:rPr lang="zh-TW" altLang="en-US" sz="1200" b="0" i="0" kern="1200" dirty="0">
+                    <a:solidFill>
+                      <a:schemeClr val="tx1"/>
+                    </a:solidFill>
+                    <a:effectLst/>
+                    <a:latin typeface="+mn-lt"/>
+                    <a:ea typeface="+mn-ea"/>
+                    <a:cs typeface="+mn-cs"/>
+                  </a:rPr>
+                  <a:t>某東西實質變化 </a:t>
+                </a:r>
+                <a:endParaRPr lang="en-US" altLang="zh-TW" sz="1200" b="0" i="0" kern="1200" dirty="0">
+                  <a:solidFill>
+                    <a:schemeClr val="tx1"/>
+                  </a:solidFill>
+                  <a:effectLst/>
+                  <a:latin typeface="+mn-lt"/>
+                  <a:ea typeface="+mn-ea"/>
+                  <a:cs typeface="+mn-cs"/>
+                </a:endParaRPr>
+              </a:p>
+              <a:p>
+                <a14:m>
+                  <m:oMath xmlns:m="http://schemas.openxmlformats.org/officeDocument/2006/math">
+                    <m:r>
+                      <m:rPr>
+                        <m:sty m:val="p"/>
+                      </m:rPr>
+                      <a:rPr lang="zh-TW" altLang="en-US" smtClean="0">
+                        <a:latin typeface="Cambria Math" panose="02040503050406030204" pitchFamily="18" charset="0"/>
+                      </a:rPr>
+                      <m:t>Δ</m:t>
+                    </m:r>
+                  </m:oMath>
+                </a14:m>
+                <a:r>
+                  <a:rPr lang="en-US" altLang="zh-TW" dirty="0"/>
+                  <a:t>P</a:t>
+                </a:r>
+                <a:r>
+                  <a:rPr lang="zh-TW" altLang="en-US" dirty="0"/>
+                  <a:t>為</a:t>
+                </a:r>
+                <a:r>
+                  <a:rPr lang="zh-TW" altLang="en-US" sz="1200" b="0" i="0" kern="1200" dirty="0">
+                    <a:solidFill>
+                      <a:schemeClr val="tx1"/>
+                    </a:solidFill>
+                    <a:effectLst/>
+                    <a:latin typeface="+mn-lt"/>
+                    <a:ea typeface="+mn-ea"/>
+                    <a:cs typeface="+mn-cs"/>
+                  </a:rPr>
+                  <a:t>某東西的主觀的感覺變化</a:t>
+                </a:r>
+                <a:endParaRPr lang="en-US" altLang="zh-TW" sz="1200" b="0" i="0" kern="1200" dirty="0">
+                  <a:solidFill>
+                    <a:schemeClr val="tx1"/>
+                  </a:solidFill>
+                  <a:effectLst/>
+                  <a:latin typeface="+mn-lt"/>
+                  <a:ea typeface="+mn-ea"/>
+                  <a:cs typeface="+mn-cs"/>
+                </a:endParaRPr>
+              </a:p>
+              <a:p>
+                <a:endParaRPr lang="zh-TW" altLang="en-US" dirty="0"/>
+              </a:p>
+            </p:txBody>
+          </p:sp>
+        </mc:Choice>
+        <mc:Fallback>
+          <p:sp>
+            <p:nvSpPr>
+              <p:cNvPr id="3" name="備忘稿版面配置區 2"/>
+              <p:cNvSpPr>
+                <a:spLocks noGrp="1"/>
+              </p:cNvSpPr>
+              <p:nvPr>
+                <p:ph type="body" idx="1"/>
+              </p:nvPr>
+            </p:nvSpPr>
+            <p:spPr/>
+            <p:txBody>
+              <a:bodyPr/>
+              <a:lstStyle/>
+              <a:p>
+                <a:pPr marL="0" marR="0" lvl="0" indent="0" algn="l" defTabSz="914400" rtl="0" eaLnBrk="1" fontAlgn="auto" latinLnBrk="0" hangingPunct="1">
+                  <a:lnSpc>
+                    <a:spcPct val="100000"/>
+                  </a:lnSpc>
+                  <a:spcBef>
+                    <a:spcPts val="0"/>
+                  </a:spcBef>
+                  <a:spcAft>
+                    <a:spcPts val="0"/>
+                  </a:spcAft>
+                  <a:buClrTx/>
+                  <a:buSzTx/>
+                  <a:buFontTx/>
+                  <a:buNone/>
+                  <a:tabLst/>
+                  <a:defRPr/>
+                </a:pPr>
+                <a:r>
+                  <a:rPr lang="zh-TW" altLang="en-US" sz="1200" b="0" i="0" u="sng" kern="1200" dirty="0">
+                    <a:solidFill>
+                      <a:schemeClr val="tx1"/>
+                    </a:solidFill>
+                    <a:effectLst/>
+                    <a:latin typeface="+mn-lt"/>
+                    <a:ea typeface="+mn-ea"/>
+                    <a:cs typeface="+mn-cs"/>
+                    <a:hlinkClick r:id="rId3"/>
+                  </a:rPr>
+                  <a:t>韋伯</a:t>
+                </a:r>
+                <a:r>
+                  <a:rPr lang="en-US" altLang="zh-TW" sz="1200" b="0" i="0" u="sng" kern="1200" dirty="0">
+                    <a:solidFill>
+                      <a:schemeClr val="tx1"/>
+                    </a:solidFill>
+                    <a:effectLst/>
+                    <a:latin typeface="+mn-lt"/>
+                    <a:ea typeface="+mn-ea"/>
+                    <a:cs typeface="+mn-cs"/>
+                    <a:hlinkClick r:id="rId3"/>
+                  </a:rPr>
+                  <a:t>-</a:t>
+                </a:r>
+                <a:r>
+                  <a:rPr lang="zh-TW" altLang="en-US" sz="1200" b="0" i="0" u="sng" kern="1200" dirty="0">
+                    <a:solidFill>
+                      <a:schemeClr val="tx1"/>
+                    </a:solidFill>
+                    <a:effectLst/>
+                    <a:latin typeface="+mn-lt"/>
+                    <a:ea typeface="+mn-ea"/>
+                    <a:cs typeface="+mn-cs"/>
+                    <a:hlinkClick r:id="rId3"/>
+                  </a:rPr>
+                  <a:t>費希納定理</a:t>
+                </a:r>
+              </a:p>
+              <a:p>
+                <a:endParaRPr lang="en-US" altLang="zh-TW" dirty="0"/>
+              </a:p>
+              <a:p>
+                <a:r>
+                  <a:rPr lang="zh-TW" altLang="en-US" dirty="0"/>
+                  <a:t>個人感受 是根據物體變化的比例而不是變化的絕對值</a:t>
+                </a:r>
+                <a:endParaRPr lang="en-US" altLang="zh-TW" dirty="0"/>
+              </a:p>
+              <a:p>
+                <a:endParaRPr lang="en-US" altLang="zh-TW" dirty="0"/>
+              </a:p>
+              <a:p>
+                <a:r>
+                  <a:rPr lang="zh-TW" altLang="en-US" i="0">
+                    <a:latin typeface="Cambria Math" panose="02040503050406030204" pitchFamily="18" charset="0"/>
+                  </a:rPr>
+                  <a:t>Δ</a:t>
+                </a:r>
+                <a:r>
+                  <a:rPr lang="en-US" altLang="zh-TW" dirty="0"/>
+                  <a:t>S</a:t>
+                </a:r>
+                <a:r>
+                  <a:rPr lang="zh-TW" altLang="en-US" dirty="0"/>
+                  <a:t> 為</a:t>
+                </a:r>
+                <a:r>
+                  <a:rPr lang="zh-TW" altLang="en-US" sz="1200" b="0" i="0" kern="1200" dirty="0">
+                    <a:solidFill>
+                      <a:schemeClr val="tx1"/>
+                    </a:solidFill>
+                    <a:effectLst/>
+                    <a:latin typeface="+mn-lt"/>
+                    <a:ea typeface="+mn-ea"/>
+                    <a:cs typeface="+mn-cs"/>
+                  </a:rPr>
+                  <a:t>某東西實質變化 </a:t>
+                </a:r>
+                <a:endParaRPr lang="en-US" altLang="zh-TW" sz="1200" b="0" i="0" kern="1200" dirty="0">
+                  <a:solidFill>
+                    <a:schemeClr val="tx1"/>
+                  </a:solidFill>
+                  <a:effectLst/>
+                  <a:latin typeface="+mn-lt"/>
+                  <a:ea typeface="+mn-ea"/>
+                  <a:cs typeface="+mn-cs"/>
+                </a:endParaRPr>
+              </a:p>
+              <a:p>
+                <a:r>
+                  <a:rPr lang="zh-TW" altLang="en-US" i="0">
+                    <a:latin typeface="Cambria Math" panose="02040503050406030204" pitchFamily="18" charset="0"/>
+                  </a:rPr>
+                  <a:t>Δ</a:t>
+                </a:r>
+                <a:r>
+                  <a:rPr lang="en-US" altLang="zh-TW" dirty="0"/>
+                  <a:t>P</a:t>
+                </a:r>
+                <a:r>
+                  <a:rPr lang="zh-TW" altLang="en-US" dirty="0"/>
+                  <a:t>為</a:t>
+                </a:r>
+                <a:r>
+                  <a:rPr lang="zh-TW" altLang="en-US" sz="1200" b="0" i="0" kern="1200" dirty="0">
+                    <a:solidFill>
+                      <a:schemeClr val="tx1"/>
+                    </a:solidFill>
+                    <a:effectLst/>
+                    <a:latin typeface="+mn-lt"/>
+                    <a:ea typeface="+mn-ea"/>
+                    <a:cs typeface="+mn-cs"/>
+                  </a:rPr>
+                  <a:t>某東西的主觀的感覺變化</a:t>
+                </a:r>
+                <a:endParaRPr lang="en-US" altLang="zh-TW" sz="1200" b="0" i="0" kern="1200" dirty="0">
+                  <a:solidFill>
+                    <a:schemeClr val="tx1"/>
+                  </a:solidFill>
+                  <a:effectLst/>
+                  <a:latin typeface="+mn-lt"/>
+                  <a:ea typeface="+mn-ea"/>
+                  <a:cs typeface="+mn-cs"/>
+                </a:endParaRPr>
+              </a:p>
+              <a:p>
+                <a:endParaRPr lang="zh-TW" altLang="en-US" dirty="0"/>
+              </a:p>
+            </p:txBody>
+          </p:sp>
+        </mc:Fallback>
+      </mc:AlternateContent>
       <p:sp>
         <p:nvSpPr>
           <p:cNvPr id="4" name="投影片編號版面配置區 3"/>
@@ -3312,7 +4781,7 @@
           <a:p>
             <a:fld id="{08227324-3899-4D4D-AD61-B3F74C3D6C20}" type="slidenum">
               <a:rPr lang="en-ID" smtClean="0"/>
-              <a:t>11</a:t>
+              <a:t>9</a:t>
             </a:fld>
             <a:endParaRPr lang="en-ID"/>
           </a:p>
@@ -3321,7 +4790,7 @@
     </p:spTree>
     <p:extLst>
       <p:ext uri="{BB962C8B-B14F-4D97-AF65-F5344CB8AC3E}">
-        <p14:creationId xmlns:p14="http://schemas.microsoft.com/office/powerpoint/2010/main" val="1906522095"/>
+        <p14:creationId xmlns:p14="http://schemas.microsoft.com/office/powerpoint/2010/main" val="3532953750"/>
       </p:ext>
     </p:extLst>
   </p:cSld>
@@ -3376,254 +4845,70 @@
           <a:lstStyle/>
           <a:p>
             <a:r>
-              <a:rPr lang="en-US" altLang="zh-TW" sz="1200" b="0" i="0" kern="1200" dirty="0">
-                <a:solidFill>
-                  <a:schemeClr val="tx1"/>
-                </a:solidFill>
-                <a:effectLst/>
-                <a:latin typeface="+mn-lt"/>
-                <a:ea typeface="+mn-ea"/>
-                <a:cs typeface="+mn-cs"/>
-              </a:rPr>
-              <a:t>epsilon-Greedy</a:t>
-            </a:r>
-            <a:r>
-              <a:rPr lang="zh-TW" altLang="en-US" sz="1200" b="0" i="0" kern="1200" dirty="0">
-                <a:solidFill>
-                  <a:schemeClr val="tx1"/>
-                </a:solidFill>
-                <a:effectLst/>
-                <a:latin typeface="+mn-lt"/>
-                <a:ea typeface="+mn-ea"/>
-                <a:cs typeface="+mn-cs"/>
-              </a:rPr>
-              <a:t>算法（</a:t>
-            </a:r>
-            <a:r>
-              <a:rPr lang="el-GR" altLang="zh-TW" sz="1200" b="0" i="0" u="none" strike="noStrike" kern="1200" dirty="0">
-                <a:solidFill>
-                  <a:schemeClr val="tx1"/>
-                </a:solidFill>
-                <a:effectLst/>
-                <a:latin typeface="+mn-lt"/>
-                <a:ea typeface="+mn-ea"/>
-                <a:cs typeface="+mn-cs"/>
-              </a:rPr>
-              <a:t>ϵ</a:t>
-            </a:r>
-            <a:r>
-              <a:rPr lang="el-GR" altLang="zh-TW" sz="1200" b="0" i="0" kern="1200" dirty="0">
-                <a:solidFill>
-                  <a:schemeClr val="tx1"/>
-                </a:solidFill>
-                <a:effectLst/>
-                <a:latin typeface="+mn-lt"/>
-                <a:ea typeface="+mn-ea"/>
-                <a:cs typeface="+mn-cs"/>
-              </a:rPr>
-              <a:t>-</a:t>
-            </a:r>
-            <a:r>
-              <a:rPr lang="zh-TW" altLang="en-US" sz="1200" b="0" i="0" kern="1200" dirty="0">
-                <a:solidFill>
-                  <a:schemeClr val="tx1"/>
-                </a:solidFill>
-                <a:effectLst/>
-                <a:latin typeface="+mn-lt"/>
-                <a:ea typeface="+mn-ea"/>
-                <a:cs typeface="+mn-cs"/>
-              </a:rPr>
-              <a:t>贪婪算法）算是</a:t>
-            </a:r>
-            <a:r>
-              <a:rPr lang="en-US" altLang="zh-TW" sz="1200" b="0" i="0" kern="1200" dirty="0">
-                <a:solidFill>
-                  <a:schemeClr val="tx1"/>
-                </a:solidFill>
-                <a:effectLst/>
-                <a:latin typeface="+mn-lt"/>
-                <a:ea typeface="+mn-ea"/>
-                <a:cs typeface="+mn-cs"/>
-              </a:rPr>
-              <a:t>MBA(Multiarmed Bandit Algorithms)</a:t>
-            </a:r>
-            <a:r>
-              <a:rPr lang="zh-TW" altLang="en-US" sz="1200" b="0" i="0" kern="1200" dirty="0">
-                <a:solidFill>
-                  <a:schemeClr val="tx1"/>
-                </a:solidFill>
-                <a:effectLst/>
-                <a:latin typeface="+mn-lt"/>
-                <a:ea typeface="+mn-ea"/>
-                <a:cs typeface="+mn-cs"/>
-              </a:rPr>
-              <a:t>算法中最简单的一种，</a:t>
-            </a:r>
-            <a:endParaRPr lang="en-US" altLang="zh-TW" sz="1200" b="0" i="0" kern="1200" dirty="0">
-              <a:solidFill>
-                <a:schemeClr val="tx1"/>
-              </a:solidFill>
-              <a:effectLst/>
-              <a:latin typeface="+mn-lt"/>
-              <a:ea typeface="+mn-ea"/>
-              <a:cs typeface="+mn-cs"/>
-            </a:endParaRPr>
-          </a:p>
-          <a:p>
-            <a:r>
-              <a:rPr lang="zh-CN" altLang="en-US" dirty="0"/>
-              <a:t>现在假如你面前有</a:t>
-            </a:r>
-            <a:r>
-              <a:rPr lang="en-US" altLang="zh-CN" dirty="0"/>
-              <a:t>n</a:t>
-            </a:r>
-            <a:r>
-              <a:rPr lang="zh-CN" altLang="en-US" dirty="0"/>
-              <a:t>台老虎机，每台老虎机吐钱的概率不一样。你并不清楚每台老虎机的吐钱的概率分布。那么，如果你想要最大化收益，你该怎么办呢？ 通常来说，你内心可能有两种好的决策：</a:t>
-            </a:r>
-            <a:r>
-              <a:rPr lang="en-US" altLang="zh-CN" dirty="0"/>
-              <a:t>1</a:t>
-            </a:r>
-            <a:r>
-              <a:rPr lang="zh-CN" altLang="en-US" dirty="0"/>
-              <a:t>、找到某一台收益还不错的老虎机，然后坚持摇这台老虎机；</a:t>
-            </a:r>
-            <a:r>
-              <a:rPr lang="en-US" altLang="zh-CN" dirty="0"/>
-              <a:t>2</a:t>
-            </a:r>
-            <a:r>
-              <a:rPr lang="zh-CN" altLang="en-US" dirty="0"/>
-              <a:t>、不断尝试探索新的老虎机。这个探索的过程中，可能发现更好的老虎机，当然也要承担摇差的老虎机带来损失的风险。显然，第一种对应的就是“</a:t>
-            </a:r>
-            <a:r>
-              <a:rPr lang="en-US" altLang="zh-CN" dirty="0"/>
-              <a:t>exploit”</a:t>
-            </a:r>
-            <a:r>
-              <a:rPr lang="zh-CN" altLang="en-US" dirty="0"/>
-              <a:t>，第二种对应“</a:t>
-            </a:r>
-            <a:r>
-              <a:rPr lang="en-US" altLang="zh-CN" dirty="0"/>
-              <a:t>explore”</a:t>
-            </a:r>
-            <a:r>
-              <a:rPr lang="zh-CN" altLang="en-US" dirty="0"/>
-              <a:t>，而</a:t>
-            </a:r>
-            <a:r>
-              <a:rPr lang="en-US" altLang="zh-CN" dirty="0"/>
-              <a:t>bandit</a:t>
-            </a:r>
-            <a:r>
-              <a:rPr lang="zh-CN" altLang="en-US" dirty="0"/>
-              <a:t>算法就是要解决这种</a:t>
-            </a:r>
-            <a:r>
-              <a:rPr lang="en-US" altLang="zh-CN" dirty="0"/>
-              <a:t>EE</a:t>
-            </a:r>
-            <a:r>
-              <a:rPr lang="zh-CN" altLang="en-US" dirty="0"/>
-              <a:t>问题，实现最大化收益。</a:t>
-            </a:r>
-            <a:endParaRPr lang="en-US" altLang="zh-CN" dirty="0"/>
-          </a:p>
-          <a:p>
-            <a:r>
-              <a:rPr lang="zh-CN" altLang="en-US" sz="1200" b="0" i="0" kern="1200" dirty="0">
-                <a:solidFill>
-                  <a:schemeClr val="tx1"/>
-                </a:solidFill>
-                <a:effectLst/>
-                <a:latin typeface="+mn-lt"/>
-                <a:ea typeface="+mn-ea"/>
-                <a:cs typeface="+mn-cs"/>
-              </a:rPr>
-              <a:t>纯粹贪婪的算法，放到这种多臂老虎机的场景来看就是每次都选择当前那个最好的臂摇，即使从长远来看可能非常不好。</a:t>
-            </a:r>
-            <a:endParaRPr lang="en-US" altLang="zh-CN" sz="1200" b="0" i="0" kern="1200" dirty="0">
-              <a:solidFill>
-                <a:schemeClr val="tx1"/>
-              </a:solidFill>
-              <a:effectLst/>
-              <a:latin typeface="+mn-lt"/>
-              <a:ea typeface="+mn-ea"/>
-              <a:cs typeface="+mn-cs"/>
-            </a:endParaRPr>
-          </a:p>
-          <a:p>
-            <a:r>
-              <a:rPr lang="zh-CN" altLang="en-US" dirty="0"/>
-              <a:t>区别仅仅就在这个</a:t>
-            </a:r>
-            <a:r>
-              <a:rPr lang="en-US" altLang="zh-CN" dirty="0"/>
-              <a:t>ϵϵ</a:t>
-            </a:r>
-            <a:r>
-              <a:rPr lang="zh-CN" altLang="en-US" dirty="0"/>
-              <a:t>。这个</a:t>
-            </a:r>
-            <a:r>
-              <a:rPr lang="en-US" altLang="zh-CN" dirty="0"/>
-              <a:t>ϵϵ</a:t>
-            </a:r>
-            <a:r>
-              <a:rPr lang="zh-CN" altLang="en-US" dirty="0"/>
-              <a:t>代表执行执行“探索”的概率。比如设置</a:t>
-            </a:r>
-            <a:r>
-              <a:rPr lang="en-US" altLang="zh-CN" dirty="0"/>
-              <a:t>ϵϵ=0.1</a:t>
-            </a:r>
-            <a:r>
-              <a:rPr lang="zh-CN" altLang="en-US" dirty="0"/>
-              <a:t>，那么就表示有</a:t>
-            </a:r>
-            <a:r>
-              <a:rPr lang="en-US" altLang="zh-CN" dirty="0"/>
-              <a:t>10%</a:t>
-            </a:r>
-            <a:r>
-              <a:rPr lang="zh-CN" altLang="en-US" dirty="0"/>
-              <a:t>的概率会进行“探索”操作，而</a:t>
-            </a:r>
-            <a:r>
-              <a:rPr lang="en-US" altLang="zh-CN" dirty="0"/>
-              <a:t>90%</a:t>
-            </a:r>
-            <a:r>
-              <a:rPr lang="zh-CN" altLang="en-US" dirty="0"/>
-              <a:t>会进行“利用”操作，也就是摇当前最好的臂。如果以摇老虎机臂的过程，用次数来算的话，也就是，每</a:t>
-            </a:r>
-            <a:r>
-              <a:rPr lang="en-US" altLang="zh-CN" dirty="0"/>
-              <a:t>10</a:t>
-            </a:r>
-            <a:r>
-              <a:rPr lang="zh-CN" altLang="en-US" dirty="0"/>
-              <a:t>次操作，仅有</a:t>
-            </a:r>
-            <a:r>
-              <a:rPr lang="en-US" altLang="zh-CN" dirty="0"/>
-              <a:t>1</a:t>
-            </a:r>
-            <a:r>
-              <a:rPr lang="zh-CN" altLang="en-US" dirty="0"/>
-              <a:t>次操作去进行探索</a:t>
-            </a:r>
-            <a:r>
-              <a:rPr lang="en-US" altLang="zh-CN" dirty="0"/>
-              <a:t>——</a:t>
-            </a:r>
-            <a:r>
-              <a:rPr lang="zh-CN" altLang="en-US" dirty="0"/>
-              <a:t>尝试其他的臂。</a:t>
-            </a:r>
+              <a:rPr lang="zh-TW" altLang="en-US" dirty="0"/>
+              <a:t>希臘字母代表不變的常數 但是超出本篇範圍 作者不講 要讀者有興趣自己看數學</a:t>
+            </a:r>
+            <a:r>
+              <a:rPr lang="en-US" altLang="zh-TW" dirty="0"/>
+              <a:t>paper</a:t>
+            </a:r>
+          </a:p>
+          <a:p>
+            <a:r>
+              <a:rPr lang="en-US" altLang="zh-TW" dirty="0"/>
+              <a:t>WFL: </a:t>
+            </a:r>
+            <a:r>
+              <a:rPr lang="zh-TW" altLang="en-US" dirty="0"/>
+              <a:t>原本用戶的頻寬只有</a:t>
+            </a:r>
+            <a:r>
+              <a:rPr lang="en-US" altLang="zh-TW" dirty="0"/>
+              <a:t>10mbps</a:t>
+            </a:r>
+            <a:r>
+              <a:rPr lang="zh-TW" altLang="en-US" dirty="0"/>
+              <a:t> 現在給他</a:t>
+            </a:r>
+            <a:r>
+              <a:rPr lang="en-US" altLang="zh-TW" dirty="0"/>
+              <a:t>20mbps </a:t>
+            </a:r>
+            <a:r>
+              <a:rPr lang="zh-TW" altLang="en-US" dirty="0"/>
+              <a:t>用戶感覺不出有兩倍差異，但當我妹直接給他</a:t>
+            </a:r>
+            <a:r>
+              <a:rPr lang="en-US" altLang="zh-TW" dirty="0"/>
+              <a:t>100mpbs</a:t>
+            </a:r>
+            <a:r>
+              <a:rPr lang="zh-TW" altLang="en-US" dirty="0"/>
+              <a:t>，用戶就能感受到明顯差別。</a:t>
+            </a:r>
+            <a:endParaRPr lang="en-US" altLang="zh-TW" dirty="0"/>
+          </a:p>
+          <a:p>
+            <a:endParaRPr lang="en-US" altLang="zh-TW" dirty="0"/>
+          </a:p>
+          <a:p>
+            <a:r>
+              <a:rPr lang="en-US" altLang="zh-TW" dirty="0"/>
+              <a:t>IQX:</a:t>
+            </a:r>
+            <a:r>
+              <a:rPr lang="zh-TW" altLang="en-US" dirty="0"/>
+              <a:t>因為</a:t>
+            </a:r>
+            <a:r>
+              <a:rPr lang="en-US" altLang="zh-TW" dirty="0"/>
+              <a:t>packet</a:t>
+            </a:r>
+            <a:r>
+              <a:rPr lang="zh-TW" altLang="en-US" dirty="0"/>
+              <a:t>丟失導致影片出現故障或暫停，會影響用戶體驗，可能造成他們不耐煩的去刷新網頁</a:t>
+            </a:r>
+            <a:endParaRPr lang="en-US" altLang="zh-TW" dirty="0"/>
           </a:p>
         </p:txBody>
       </p:sp>
@@ -3644,7 +4929,7 @@
           <a:p>
             <a:fld id="{08227324-3899-4D4D-AD61-B3F74C3D6C20}" type="slidenum">
               <a:rPr lang="en-ID" smtClean="0"/>
-              <a:t>12</a:t>
+              <a:t>10</a:t>
             </a:fld>
             <a:endParaRPr lang="en-ID"/>
           </a:p>
@@ -3653,7 +4938,7 @@
     </p:spTree>
     <p:extLst>
       <p:ext uri="{BB962C8B-B14F-4D97-AF65-F5344CB8AC3E}">
-        <p14:creationId xmlns:p14="http://schemas.microsoft.com/office/powerpoint/2010/main" val="2283959668"/>
+        <p14:creationId xmlns:p14="http://schemas.microsoft.com/office/powerpoint/2010/main" val="2641187416"/>
       </p:ext>
     </p:extLst>
   </p:cSld>
@@ -15111,173 +16396,6 @@
           <p:cNvPr id="2" name="標題 1">
             <a:extLst>
               <a:ext uri="{FF2B5EF4-FFF2-40B4-BE49-F238E27FC236}">
-                <a16:creationId xmlns:a16="http://schemas.microsoft.com/office/drawing/2014/main" id="{1F3DC988-E581-431C-8828-8989C9ABCCEF}"/>
-              </a:ext>
-            </a:extLst>
-          </p:cNvPr>
-          <p:cNvSpPr>
-            <a:spLocks noGrp="1"/>
-          </p:cNvSpPr>
-          <p:nvPr>
-            <p:ph type="title"/>
-          </p:nvPr>
-        </p:nvSpPr>
-        <p:spPr/>
-        <p:txBody>
-          <a:bodyPr/>
-          <a:lstStyle/>
-          <a:p>
-            <a:endParaRPr lang="zh-TW" altLang="en-US"/>
-          </a:p>
-        </p:txBody>
-      </p:sp>
-      <p:sp>
-        <p:nvSpPr>
-          <p:cNvPr id="3" name="內容版面配置區 2">
-            <a:extLst>
-              <a:ext uri="{FF2B5EF4-FFF2-40B4-BE49-F238E27FC236}">
-                <a16:creationId xmlns:a16="http://schemas.microsoft.com/office/drawing/2014/main" id="{E213C5D3-F352-4F8B-907E-D57E00459BC6}"/>
-              </a:ext>
-            </a:extLst>
-          </p:cNvPr>
-          <p:cNvSpPr>
-            <a:spLocks noGrp="1"/>
-          </p:cNvSpPr>
-          <p:nvPr>
-            <p:ph idx="1"/>
-          </p:nvPr>
-        </p:nvSpPr>
-        <p:spPr/>
-        <p:txBody>
-          <a:bodyPr/>
-          <a:lstStyle/>
-          <a:p>
-            <a:endParaRPr lang="zh-TW" altLang="en-US"/>
-          </a:p>
-        </p:txBody>
-      </p:sp>
-      <p:sp>
-        <p:nvSpPr>
-          <p:cNvPr id="4" name="日期版面配置區 3">
-            <a:extLst>
-              <a:ext uri="{FF2B5EF4-FFF2-40B4-BE49-F238E27FC236}">
-                <a16:creationId xmlns:a16="http://schemas.microsoft.com/office/drawing/2014/main" id="{A5417D15-4F90-4841-9FD2-087C9AB70062}"/>
-              </a:ext>
-            </a:extLst>
-          </p:cNvPr>
-          <p:cNvSpPr>
-            <a:spLocks noGrp="1"/>
-          </p:cNvSpPr>
-          <p:nvPr>
-            <p:ph type="dt" sz="half" idx="10"/>
-          </p:nvPr>
-        </p:nvSpPr>
-        <p:spPr/>
-        <p:txBody>
-          <a:bodyPr/>
-          <a:lstStyle/>
-          <a:p>
-            <a:fld id="{43E2D749-843A-4CF2-BA5B-0BB9149F832F}" type="datetime1">
-              <a:rPr lang="en-ID" smtClean="0"/>
-              <a:t>10/09/2019</a:t>
-            </a:fld>
-            <a:endParaRPr lang="en-ID"/>
-          </a:p>
-        </p:txBody>
-      </p:sp>
-      <p:sp>
-        <p:nvSpPr>
-          <p:cNvPr id="5" name="頁尾版面配置區 4">
-            <a:extLst>
-              <a:ext uri="{FF2B5EF4-FFF2-40B4-BE49-F238E27FC236}">
-                <a16:creationId xmlns:a16="http://schemas.microsoft.com/office/drawing/2014/main" id="{FE15C6A9-68A4-4042-9B2B-0C2FAB921AB1}"/>
-              </a:ext>
-            </a:extLst>
-          </p:cNvPr>
-          <p:cNvSpPr>
-            <a:spLocks noGrp="1"/>
-          </p:cNvSpPr>
-          <p:nvPr>
-            <p:ph type="ftr" sz="quarter" idx="11"/>
-          </p:nvPr>
-        </p:nvSpPr>
-        <p:spPr/>
-        <p:txBody>
-          <a:bodyPr/>
-          <a:lstStyle/>
-          <a:p>
-            <a:r>
-              <a:rPr lang="en-ID"/>
-              <a:t>Footer</a:t>
-            </a:r>
-          </a:p>
-        </p:txBody>
-      </p:sp>
-      <p:sp>
-        <p:nvSpPr>
-          <p:cNvPr id="6" name="投影片編號版面配置區 5">
-            <a:extLst>
-              <a:ext uri="{FF2B5EF4-FFF2-40B4-BE49-F238E27FC236}">
-                <a16:creationId xmlns:a16="http://schemas.microsoft.com/office/drawing/2014/main" id="{D50BF339-94D0-47B4-879D-CF06B71BD8B8}"/>
-              </a:ext>
-            </a:extLst>
-          </p:cNvPr>
-          <p:cNvSpPr>
-            <a:spLocks noGrp="1"/>
-          </p:cNvSpPr>
-          <p:nvPr>
-            <p:ph type="sldNum" sz="quarter" idx="12"/>
-          </p:nvPr>
-        </p:nvSpPr>
-        <p:spPr/>
-        <p:txBody>
-          <a:bodyPr/>
-          <a:lstStyle/>
-          <a:p>
-            <a:fld id="{20A13858-C2AA-4A16-A43A-77ABAD7631C2}" type="slidenum">
-              <a:rPr lang="en-ID" smtClean="0"/>
-              <a:pPr/>
-              <a:t>18</a:t>
-            </a:fld>
-            <a:endParaRPr lang="en-ID" dirty="0"/>
-          </a:p>
-        </p:txBody>
-      </p:sp>
-    </p:spTree>
-    <p:extLst>
-      <p:ext uri="{BB962C8B-B14F-4D97-AF65-F5344CB8AC3E}">
-        <p14:creationId xmlns:p14="http://schemas.microsoft.com/office/powerpoint/2010/main" val="1838982756"/>
-      </p:ext>
-    </p:extLst>
-  </p:cSld>
-  <p:clrMapOvr>
-    <a:masterClrMapping/>
-  </p:clrMapOvr>
-</p:sld>
-</file>
-
-<file path=ppt/slides/slide19.xml><?xml version="1.0" encoding="utf-8"?>
-<p:sld xmlns:a="http://schemas.openxmlformats.org/drawingml/2006/main" xmlns:r="http://schemas.openxmlformats.org/officeDocument/2006/relationships" xmlns:p="http://schemas.openxmlformats.org/presentationml/2006/main">
-  <p:cSld>
-    <p:spTree>
-      <p:nvGrpSpPr>
-        <p:cNvPr id="1" name=""/>
-        <p:cNvGrpSpPr/>
-        <p:nvPr/>
-      </p:nvGrpSpPr>
-      <p:grpSpPr>
-        <a:xfrm>
-          <a:off x="0" y="0"/>
-          <a:ext cx="0" cy="0"/>
-          <a:chOff x="0" y="0"/>
-          <a:chExt cx="0" cy="0"/>
-        </a:xfrm>
-      </p:grpSpPr>
-      <p:sp>
-        <p:nvSpPr>
-          <p:cNvPr id="2" name="標題 1">
-            <a:extLst>
-              <a:ext uri="{FF2B5EF4-FFF2-40B4-BE49-F238E27FC236}">
                 <a16:creationId xmlns:a16="http://schemas.microsoft.com/office/drawing/2014/main" id="{22B32375-BCBC-4D94-B4CB-B0144E8BFB21}"/>
               </a:ext>
             </a:extLst>
@@ -15434,7 +16552,7 @@
             <a:fld id="{20A13858-C2AA-4A16-A43A-77ABAD7631C2}" type="slidenum">
               <a:rPr lang="en-ID" smtClean="0"/>
               <a:pPr/>
-              <a:t>19</a:t>
+              <a:t>18</a:t>
             </a:fld>
             <a:endParaRPr lang="en-ID" dirty="0"/>
           </a:p>
@@ -15470,341 +16588,93 @@
           <a:chExt cx="0" cy="0"/>
         </a:xfrm>
       </p:grpSpPr>
-      <p:grpSp>
-        <p:nvGrpSpPr>
-          <p:cNvPr id="82" name="Group 81">
+      <p:sp>
+        <p:nvSpPr>
+          <p:cNvPr id="2" name="文字方塊 1">
             <a:extLst>
               <a:ext uri="{FF2B5EF4-FFF2-40B4-BE49-F238E27FC236}">
-                <a16:creationId xmlns:a16="http://schemas.microsoft.com/office/drawing/2014/main" id="{714A87C3-3EFB-4722-BF0D-17138DEB6B2B}"/>
+                <a16:creationId xmlns:a16="http://schemas.microsoft.com/office/drawing/2014/main" id="{24162342-FFB6-458D-AF0F-A5D40C25C42C}"/>
               </a:ext>
             </a:extLst>
           </p:cNvPr>
-          <p:cNvGrpSpPr/>
+          <p:cNvSpPr txBox="1"/>
           <p:nvPr/>
-        </p:nvGrpSpPr>
-        <p:grpSpPr>
+        </p:nvSpPr>
+        <p:spPr>
           <a:xfrm>
-            <a:off x="0" y="4957979"/>
-            <a:ext cx="12192000" cy="1909138"/>
-            <a:chOff x="0" y="4948862"/>
-            <a:chExt cx="12192000" cy="1909138"/>
+            <a:off x="923193" y="153792"/>
+            <a:ext cx="4484077" cy="646331"/>
           </a:xfrm>
-        </p:grpSpPr>
-        <p:sp>
-          <p:nvSpPr>
-            <p:cNvPr id="83" name="Freeform: Shape 82">
-              <a:extLst>
-                <a:ext uri="{FF2B5EF4-FFF2-40B4-BE49-F238E27FC236}">
-                  <a16:creationId xmlns:a16="http://schemas.microsoft.com/office/drawing/2014/main" id="{EC99197A-1F6B-4498-BD1A-1E735D7E4EB6}"/>
-                </a:ext>
-              </a:extLst>
-            </p:cNvPr>
-            <p:cNvSpPr/>
-            <p:nvPr/>
-          </p:nvSpPr>
-          <p:spPr>
-            <a:xfrm>
-              <a:off x="0" y="4948862"/>
-              <a:ext cx="12192000" cy="1909138"/>
-            </a:xfrm>
-            <a:custGeom>
-              <a:avLst/>
-              <a:gdLst>
-                <a:gd name="connsiteX0" fmla="*/ 0 w 12192000"/>
-                <a:gd name="connsiteY0" fmla="*/ 0 h 1909138"/>
-                <a:gd name="connsiteX1" fmla="*/ 227719 w 12192000"/>
-                <a:gd name="connsiteY1" fmla="*/ 142350 h 1909138"/>
-                <a:gd name="connsiteX2" fmla="*/ 6096001 w 12192000"/>
-                <a:gd name="connsiteY2" fmla="*/ 1628919 h 1909138"/>
-                <a:gd name="connsiteX3" fmla="*/ 11964283 w 12192000"/>
-                <a:gd name="connsiteY3" fmla="*/ 142350 h 1909138"/>
-                <a:gd name="connsiteX4" fmla="*/ 12192000 w 12192000"/>
-                <a:gd name="connsiteY4" fmla="*/ 1 h 1909138"/>
-                <a:gd name="connsiteX5" fmla="*/ 12192000 w 12192000"/>
-                <a:gd name="connsiteY5" fmla="*/ 1909138 h 1909138"/>
-                <a:gd name="connsiteX6" fmla="*/ 0 w 12192000"/>
-                <a:gd name="connsiteY6" fmla="*/ 1909138 h 1909138"/>
-                <a:gd name="connsiteX7" fmla="*/ 0 w 12192000"/>
-                <a:gd name="connsiteY7" fmla="*/ 0 h 1909138"/>
-              </a:gdLst>
-              <a:ahLst/>
-              <a:cxnLst>
-                <a:cxn ang="0">
-                  <a:pos x="connsiteX0" y="connsiteY0"/>
-                </a:cxn>
-                <a:cxn ang="0">
-                  <a:pos x="connsiteX1" y="connsiteY1"/>
-                </a:cxn>
-                <a:cxn ang="0">
-                  <a:pos x="connsiteX2" y="connsiteY2"/>
-                </a:cxn>
-                <a:cxn ang="0">
-                  <a:pos x="connsiteX3" y="connsiteY3"/>
-                </a:cxn>
-                <a:cxn ang="0">
-                  <a:pos x="connsiteX4" y="connsiteY4"/>
-                </a:cxn>
-                <a:cxn ang="0">
-                  <a:pos x="connsiteX5" y="connsiteY5"/>
-                </a:cxn>
-                <a:cxn ang="0">
-                  <a:pos x="connsiteX6" y="connsiteY6"/>
-                </a:cxn>
-                <a:cxn ang="0">
-                  <a:pos x="connsiteX7" y="connsiteY7"/>
-                </a:cxn>
-              </a:cxnLst>
-              <a:rect l="l" t="t" r="r" b="b"/>
-              <a:pathLst>
-                <a:path w="12192000" h="1909138">
-                  <a:moveTo>
-                    <a:pt x="0" y="0"/>
-                  </a:moveTo>
-                  <a:lnTo>
-                    <a:pt x="227719" y="142350"/>
-                  </a:lnTo>
-                  <a:cubicBezTo>
-                    <a:pt x="1777640" y="1065981"/>
-                    <a:pt x="3836554" y="1628919"/>
-                    <a:pt x="6096001" y="1628919"/>
-                  </a:cubicBezTo>
-                  <a:cubicBezTo>
-                    <a:pt x="8355448" y="1628919"/>
-                    <a:pt x="10414362" y="1065981"/>
-                    <a:pt x="11964283" y="142350"/>
-                  </a:cubicBezTo>
-                  <a:lnTo>
-                    <a:pt x="12192000" y="1"/>
-                  </a:lnTo>
-                  <a:lnTo>
-                    <a:pt x="12192000" y="1909138"/>
-                  </a:lnTo>
-                  <a:lnTo>
-                    <a:pt x="0" y="1909138"/>
-                  </a:lnTo>
-                  <a:lnTo>
-                    <a:pt x="0" y="0"/>
-                  </a:lnTo>
-                  <a:close/>
-                </a:path>
-              </a:pathLst>
-            </a:custGeom>
-            <a:solidFill>
-              <a:srgbClr val="E8F1F6"/>
-            </a:solidFill>
-            <a:ln>
-              <a:noFill/>
-            </a:ln>
+          <a:prstGeom prst="rect">
+            <a:avLst/>
+          </a:prstGeom>
+          <a:noFill/>
+        </p:spPr>
+        <p:txBody>
+          <a:bodyPr wrap="square" rtlCol="0">
+            <a:spAutoFit/>
+          </a:bodyPr>
+          <a:lstStyle/>
+          <a:p>
+            <a:r>
+              <a:rPr lang="en-US" altLang="zh-TW" sz="3600" b="1" dirty="0"/>
+              <a:t>Network Slicing</a:t>
+            </a:r>
+            <a:endParaRPr lang="zh-TW" altLang="en-US" sz="3600" b="1" dirty="0"/>
+          </a:p>
+        </p:txBody>
+      </p:sp>
+      <p:pic>
+        <p:nvPicPr>
+          <p:cNvPr id="3" name="Picture 2" descr="ãnetwork slicingãçåçæå°çµæ">
             <a:extLst>
-              <a:ext uri="{91240B29-F687-4F45-9708-019B960494DF}">
-                <a14:hiddenLine xmlns:a14="http://schemas.microsoft.com/office/drawing/2010/main" w="9525">
-                  <a:solidFill>
-                    <a:srgbClr val="000000"/>
-                  </a:solidFill>
-                  <a:round/>
-                  <a:headEnd/>
-                  <a:tailEnd/>
-                </a14:hiddenLine>
+              <a:ext uri="{FF2B5EF4-FFF2-40B4-BE49-F238E27FC236}">
+                <a16:creationId xmlns:a16="http://schemas.microsoft.com/office/drawing/2014/main" id="{2B6298C4-A2F9-4D9C-8604-162D6096DF9C}"/>
               </a:ext>
             </a:extLst>
-          </p:spPr>
-          <p:txBody>
-            <a:bodyPr vert="horz" wrap="square" lIns="91440" tIns="45720" rIns="91440" bIns="45720" numCol="1" anchor="t" anchorCtr="0" compatLnSpc="1">
-              <a:prstTxWarp prst="textNoShape">
-                <a:avLst/>
-              </a:prstTxWarp>
-            </a:bodyPr>
-            <a:lstStyle/>
-            <a:p>
-              <a:pPr marL="0" marR="0" lvl="0" indent="0" algn="l" defTabSz="914400" rtl="0" eaLnBrk="1" fontAlgn="auto" latinLnBrk="0" hangingPunct="1">
-                <a:lnSpc>
-                  <a:spcPct val="100000"/>
-                </a:lnSpc>
-                <a:spcBef>
-                  <a:spcPts val="0"/>
-                </a:spcBef>
-                <a:spcAft>
-                  <a:spcPts val="0"/>
-                </a:spcAft>
-                <a:buClrTx/>
-                <a:buSzTx/>
-                <a:buFontTx/>
-                <a:buNone/>
-                <a:tabLst/>
-                <a:defRPr/>
-              </a:pPr>
-              <a:endParaRPr kumimoji="0" lang="en-US" sz="1600" b="0" i="0" u="none" strike="noStrike" kern="1200" cap="none" spc="0" normalizeH="0" baseline="0" noProof="0">
-                <a:ln>
-                  <a:noFill/>
-                </a:ln>
-                <a:solidFill>
-                  <a:prstClr val="black"/>
-                </a:solidFill>
-                <a:effectLst/>
-                <a:uLnTx/>
-                <a:uFillTx/>
-                <a:latin typeface="Calibri" panose="020F0502020204030204"/>
-                <a:ea typeface="+mn-ea"/>
-                <a:cs typeface="+mn-cs"/>
-              </a:endParaRPr>
-            </a:p>
-          </p:txBody>
-        </p:sp>
-        <p:sp>
-          <p:nvSpPr>
-            <p:cNvPr id="84" name="Freeform: Shape 83">
-              <a:extLst>
-                <a:ext uri="{FF2B5EF4-FFF2-40B4-BE49-F238E27FC236}">
-                  <a16:creationId xmlns:a16="http://schemas.microsoft.com/office/drawing/2014/main" id="{F9C80C8E-5A49-482B-8FB1-2FEACFCA5ACA}"/>
-                </a:ext>
-              </a:extLst>
-            </p:cNvPr>
-            <p:cNvSpPr/>
-            <p:nvPr/>
-          </p:nvSpPr>
-          <p:spPr>
-            <a:xfrm>
-              <a:off x="0" y="5563852"/>
-              <a:ext cx="12192000" cy="1294147"/>
-            </a:xfrm>
-            <a:custGeom>
-              <a:avLst/>
-              <a:gdLst>
-                <a:gd name="connsiteX0" fmla="*/ 0 w 12192000"/>
-                <a:gd name="connsiteY0" fmla="*/ 0 h 1909138"/>
-                <a:gd name="connsiteX1" fmla="*/ 227719 w 12192000"/>
-                <a:gd name="connsiteY1" fmla="*/ 142350 h 1909138"/>
-                <a:gd name="connsiteX2" fmla="*/ 6096001 w 12192000"/>
-                <a:gd name="connsiteY2" fmla="*/ 1628919 h 1909138"/>
-                <a:gd name="connsiteX3" fmla="*/ 11964283 w 12192000"/>
-                <a:gd name="connsiteY3" fmla="*/ 142350 h 1909138"/>
-                <a:gd name="connsiteX4" fmla="*/ 12192000 w 12192000"/>
-                <a:gd name="connsiteY4" fmla="*/ 1 h 1909138"/>
-                <a:gd name="connsiteX5" fmla="*/ 12192000 w 12192000"/>
-                <a:gd name="connsiteY5" fmla="*/ 1909138 h 1909138"/>
-                <a:gd name="connsiteX6" fmla="*/ 0 w 12192000"/>
-                <a:gd name="connsiteY6" fmla="*/ 1909138 h 1909138"/>
-                <a:gd name="connsiteX7" fmla="*/ 0 w 12192000"/>
-                <a:gd name="connsiteY7" fmla="*/ 0 h 1909138"/>
-              </a:gdLst>
-              <a:ahLst/>
-              <a:cxnLst>
-                <a:cxn ang="0">
-                  <a:pos x="connsiteX0" y="connsiteY0"/>
-                </a:cxn>
-                <a:cxn ang="0">
-                  <a:pos x="connsiteX1" y="connsiteY1"/>
-                </a:cxn>
-                <a:cxn ang="0">
-                  <a:pos x="connsiteX2" y="connsiteY2"/>
-                </a:cxn>
-                <a:cxn ang="0">
-                  <a:pos x="connsiteX3" y="connsiteY3"/>
-                </a:cxn>
-                <a:cxn ang="0">
-                  <a:pos x="connsiteX4" y="connsiteY4"/>
-                </a:cxn>
-                <a:cxn ang="0">
-                  <a:pos x="connsiteX5" y="connsiteY5"/>
-                </a:cxn>
-                <a:cxn ang="0">
-                  <a:pos x="connsiteX6" y="connsiteY6"/>
-                </a:cxn>
-                <a:cxn ang="0">
-                  <a:pos x="connsiteX7" y="connsiteY7"/>
-                </a:cxn>
-              </a:cxnLst>
-              <a:rect l="l" t="t" r="r" b="b"/>
-              <a:pathLst>
-                <a:path w="12192000" h="1909138">
-                  <a:moveTo>
-                    <a:pt x="0" y="0"/>
-                  </a:moveTo>
-                  <a:lnTo>
-                    <a:pt x="227719" y="142350"/>
-                  </a:lnTo>
-                  <a:cubicBezTo>
-                    <a:pt x="1777640" y="1065981"/>
-                    <a:pt x="3836554" y="1628919"/>
-                    <a:pt x="6096001" y="1628919"/>
-                  </a:cubicBezTo>
-                  <a:cubicBezTo>
-                    <a:pt x="8355448" y="1628919"/>
-                    <a:pt x="10414362" y="1065981"/>
-                    <a:pt x="11964283" y="142350"/>
-                  </a:cubicBezTo>
-                  <a:lnTo>
-                    <a:pt x="12192000" y="1"/>
-                  </a:lnTo>
-                  <a:lnTo>
-                    <a:pt x="12192000" y="1909138"/>
-                  </a:lnTo>
-                  <a:lnTo>
-                    <a:pt x="0" y="1909138"/>
-                  </a:lnTo>
-                  <a:lnTo>
-                    <a:pt x="0" y="0"/>
-                  </a:lnTo>
-                  <a:close/>
-                </a:path>
-              </a:pathLst>
-            </a:custGeom>
-            <a:solidFill>
-              <a:srgbClr val="7AC2F9">
-                <a:alpha val="11000"/>
-              </a:srgbClr>
-            </a:solidFill>
-            <a:ln>
-              <a:noFill/>
-            </a:ln>
-          </p:spPr>
-          <p:txBody>
-            <a:bodyPr vert="horz" wrap="square" lIns="91440" tIns="45720" rIns="91440" bIns="45720" numCol="1" anchor="t" anchorCtr="0" compatLnSpc="1">
-              <a:prstTxWarp prst="textNoShape">
-                <a:avLst/>
-              </a:prstTxWarp>
-            </a:bodyPr>
-            <a:lstStyle/>
-            <a:p>
-              <a:pPr marL="0" marR="0" lvl="0" indent="0" algn="l" defTabSz="914400" rtl="0" eaLnBrk="1" fontAlgn="auto" latinLnBrk="0" hangingPunct="1">
-                <a:lnSpc>
-                  <a:spcPct val="100000"/>
-                </a:lnSpc>
-                <a:spcBef>
-                  <a:spcPts val="0"/>
-                </a:spcBef>
-                <a:spcAft>
-                  <a:spcPts val="0"/>
-                </a:spcAft>
-                <a:buClrTx/>
-                <a:buSzTx/>
-                <a:buFontTx/>
-                <a:buNone/>
-                <a:tabLst/>
-                <a:defRPr/>
-              </a:pPr>
-              <a:endParaRPr kumimoji="0" lang="en-US" sz="1600" b="0" i="0" u="none" strike="noStrike" kern="1200" cap="none" spc="0" normalizeH="0" baseline="0" noProof="0">
-                <a:ln>
-                  <a:noFill/>
-                </a:ln>
-                <a:solidFill>
-                  <a:prstClr val="black"/>
-                </a:solidFill>
-                <a:effectLst/>
-                <a:uLnTx/>
-                <a:uFillTx/>
-                <a:latin typeface="Calibri" panose="020F0502020204030204"/>
-                <a:ea typeface="+mn-ea"/>
-                <a:cs typeface="+mn-cs"/>
-              </a:endParaRPr>
-            </a:p>
-          </p:txBody>
-        </p:sp>
-      </p:grpSp>
+          </p:cNvPr>
+          <p:cNvPicPr>
+            <a:picLocks noChangeAspect="1" noChangeArrowheads="1"/>
+          </p:cNvPicPr>
+          <p:nvPr/>
+        </p:nvPicPr>
+        <p:blipFill>
+          <a:blip r:embed="rId3">
+            <a:extLst>
+              <a:ext uri="{28A0092B-C50C-407E-A947-70E740481C1C}">
+                <a14:useLocalDpi xmlns:a14="http://schemas.microsoft.com/office/drawing/2010/main" val="0"/>
+              </a:ext>
+            </a:extLst>
+          </a:blip>
+          <a:srcRect/>
+          <a:stretch>
+            <a:fillRect/>
+          </a:stretch>
+        </p:blipFill>
+        <p:spPr bwMode="auto">
+          <a:xfrm>
+            <a:off x="3357563" y="895342"/>
+            <a:ext cx="5476875" cy="5524500"/>
+          </a:xfrm>
+          <a:prstGeom prst="rect">
+            <a:avLst/>
+          </a:prstGeom>
+          <a:noFill/>
+          <a:extLst>
+            <a:ext uri="{909E8E84-426E-40DD-AFC4-6F175D3DCCD1}">
+              <a14:hiddenFill xmlns:a14="http://schemas.microsoft.com/office/drawing/2010/main">
+                <a:solidFill>
+                  <a:srgbClr val="FFFFFF"/>
+                </a:solidFill>
+              </a14:hiddenFill>
+            </a:ext>
+          </a:extLst>
+        </p:spPr>
+      </p:pic>
     </p:spTree>
     <p:extLst>
       <p:ext uri="{BB962C8B-B14F-4D97-AF65-F5344CB8AC3E}">
-        <p14:creationId xmlns:p14="http://schemas.microsoft.com/office/powerpoint/2010/main" val="2384296041"/>
+        <p14:creationId xmlns:p14="http://schemas.microsoft.com/office/powerpoint/2010/main" val="52418969"/>
       </p:ext>
     </p:extLst>
   </p:cSld>
@@ -16649,6 +17519,324 @@
       </p:grpSpPr>
       <p:sp>
         <p:nvSpPr>
+          <p:cNvPr id="2" name="標題 1">
+            <a:extLst>
+              <a:ext uri="{FF2B5EF4-FFF2-40B4-BE49-F238E27FC236}">
+                <a16:creationId xmlns:a16="http://schemas.microsoft.com/office/drawing/2014/main" id="{4048E110-AD2D-474A-9284-CCBA9093EB1F}"/>
+              </a:ext>
+            </a:extLst>
+          </p:cNvPr>
+          <p:cNvSpPr>
+            <a:spLocks noGrp="1"/>
+          </p:cNvSpPr>
+          <p:nvPr>
+            <p:ph type="title"/>
+          </p:nvPr>
+        </p:nvSpPr>
+        <p:spPr/>
+        <p:txBody>
+          <a:bodyPr>
+            <a:normAutofit/>
+          </a:bodyPr>
+          <a:lstStyle/>
+          <a:p>
+            <a:r>
+              <a:rPr lang="en-US" altLang="zh-TW" dirty="0">
+                <a:solidFill>
+                  <a:schemeClr val="tx1">
+                    <a:lumMod val="65000"/>
+                    <a:lumOff val="35000"/>
+                  </a:schemeClr>
+                </a:solidFill>
+              </a:rPr>
+              <a:t>What is QoS/</a:t>
+            </a:r>
+            <a:r>
+              <a:rPr lang="en-US" altLang="zh-TW" dirty="0" err="1">
+                <a:solidFill>
+                  <a:schemeClr val="tx1">
+                    <a:lumMod val="65000"/>
+                    <a:lumOff val="35000"/>
+                  </a:schemeClr>
+                </a:solidFill>
+              </a:rPr>
+              <a:t>QoE</a:t>
+            </a:r>
+            <a:r>
+              <a:rPr lang="en-US" altLang="zh-TW" dirty="0">
+                <a:solidFill>
+                  <a:schemeClr val="tx1">
+                    <a:lumMod val="65000"/>
+                    <a:lumOff val="35000"/>
+                  </a:schemeClr>
+                </a:solidFill>
+              </a:rPr>
+              <a:t>?</a:t>
+            </a:r>
+            <a:endParaRPr lang="zh-TW" altLang="en-US" dirty="0">
+              <a:solidFill>
+                <a:schemeClr val="tx1">
+                  <a:lumMod val="65000"/>
+                  <a:lumOff val="35000"/>
+                </a:schemeClr>
+              </a:solidFill>
+            </a:endParaRPr>
+          </a:p>
+        </p:txBody>
+      </p:sp>
+      <p:sp>
+        <p:nvSpPr>
+          <p:cNvPr id="3" name="日期版面配置區 2">
+            <a:extLst>
+              <a:ext uri="{FF2B5EF4-FFF2-40B4-BE49-F238E27FC236}">
+                <a16:creationId xmlns:a16="http://schemas.microsoft.com/office/drawing/2014/main" id="{EC34B505-730C-444B-996C-E4E80B4B21F1}"/>
+              </a:ext>
+            </a:extLst>
+          </p:cNvPr>
+          <p:cNvSpPr>
+            <a:spLocks noGrp="1"/>
+          </p:cNvSpPr>
+          <p:nvPr>
+            <p:ph type="dt" sz="half" idx="10"/>
+          </p:nvPr>
+        </p:nvSpPr>
+        <p:spPr/>
+        <p:txBody>
+          <a:bodyPr/>
+          <a:lstStyle/>
+          <a:p>
+            <a:fld id="{43E2D749-843A-4CF2-BA5B-0BB9149F832F}" type="datetime1">
+              <a:rPr lang="en-ID" smtClean="0"/>
+              <a:t>10/09/2019</a:t>
+            </a:fld>
+            <a:endParaRPr lang="en-ID"/>
+          </a:p>
+        </p:txBody>
+      </p:sp>
+      <p:sp>
+        <p:nvSpPr>
+          <p:cNvPr id="4" name="頁尾版面配置區 3">
+            <a:extLst>
+              <a:ext uri="{FF2B5EF4-FFF2-40B4-BE49-F238E27FC236}">
+                <a16:creationId xmlns:a16="http://schemas.microsoft.com/office/drawing/2014/main" id="{5AAAEB7F-6E8C-49CA-8142-DC753C0566F8}"/>
+              </a:ext>
+            </a:extLst>
+          </p:cNvPr>
+          <p:cNvSpPr>
+            <a:spLocks noGrp="1"/>
+          </p:cNvSpPr>
+          <p:nvPr>
+            <p:ph type="ftr" sz="quarter" idx="11"/>
+          </p:nvPr>
+        </p:nvSpPr>
+        <p:spPr/>
+        <p:txBody>
+          <a:bodyPr/>
+          <a:lstStyle/>
+          <a:p>
+            <a:r>
+              <a:rPr lang="en-ID"/>
+              <a:t>Footer</a:t>
+            </a:r>
+          </a:p>
+        </p:txBody>
+      </p:sp>
+      <p:sp>
+        <p:nvSpPr>
+          <p:cNvPr id="5" name="投影片編號版面配置區 4">
+            <a:extLst>
+              <a:ext uri="{FF2B5EF4-FFF2-40B4-BE49-F238E27FC236}">
+                <a16:creationId xmlns:a16="http://schemas.microsoft.com/office/drawing/2014/main" id="{02239899-8E34-49E7-9A36-E99826949343}"/>
+              </a:ext>
+            </a:extLst>
+          </p:cNvPr>
+          <p:cNvSpPr>
+            <a:spLocks noGrp="1"/>
+          </p:cNvSpPr>
+          <p:nvPr>
+            <p:ph type="sldNum" sz="quarter" idx="12"/>
+          </p:nvPr>
+        </p:nvSpPr>
+        <p:spPr/>
+        <p:txBody>
+          <a:bodyPr/>
+          <a:lstStyle/>
+          <a:p>
+            <a:fld id="{20A13858-C2AA-4A16-A43A-77ABAD7631C2}" type="slidenum">
+              <a:rPr lang="en-ID" smtClean="0"/>
+              <a:pPr/>
+              <a:t>5</a:t>
+            </a:fld>
+            <a:endParaRPr lang="en-ID" dirty="0"/>
+          </a:p>
+        </p:txBody>
+      </p:sp>
+      <p:sp>
+        <p:nvSpPr>
+          <p:cNvPr id="7" name="矩形 6">
+            <a:extLst>
+              <a:ext uri="{FF2B5EF4-FFF2-40B4-BE49-F238E27FC236}">
+                <a16:creationId xmlns:a16="http://schemas.microsoft.com/office/drawing/2014/main" id="{169C8E3D-088D-4DD7-A880-5ADCB14CFB4C}"/>
+              </a:ext>
+            </a:extLst>
+          </p:cNvPr>
+          <p:cNvSpPr/>
+          <p:nvPr/>
+        </p:nvSpPr>
+        <p:spPr>
+          <a:xfrm>
+            <a:off x="609600" y="1415767"/>
+            <a:ext cx="11752729" cy="3416320"/>
+          </a:xfrm>
+          <a:prstGeom prst="rect">
+            <a:avLst/>
+          </a:prstGeom>
+        </p:spPr>
+        <p:txBody>
+          <a:bodyPr wrap="square">
+            <a:spAutoFit/>
+          </a:bodyPr>
+          <a:lstStyle/>
+          <a:p>
+            <a:r>
+              <a:rPr lang="en-US" altLang="zh-TW" sz="3600" dirty="0">
+                <a:solidFill>
+                  <a:srgbClr val="3269AC"/>
+                </a:solidFill>
+                <a:latin typeface="arial" panose="020B0604020202020204" pitchFamily="34" charset="0"/>
+              </a:rPr>
+              <a:t>QoS : </a:t>
+            </a:r>
+            <a:r>
+              <a:rPr lang="en-US" altLang="zh-TW" sz="3600" dirty="0">
+                <a:solidFill>
+                  <a:srgbClr val="DD4B39"/>
+                </a:solidFill>
+                <a:latin typeface="arial" panose="020B0604020202020204" pitchFamily="34" charset="0"/>
+              </a:rPr>
+              <a:t>Quality of Service</a:t>
+            </a:r>
+          </a:p>
+          <a:p>
+            <a:endParaRPr lang="en-US" altLang="zh-TW" sz="3600" dirty="0">
+              <a:solidFill>
+                <a:srgbClr val="DD4B39"/>
+              </a:solidFill>
+              <a:latin typeface="arial" panose="020B0604020202020204" pitchFamily="34" charset="0"/>
+            </a:endParaRPr>
+          </a:p>
+          <a:p>
+            <a:r>
+              <a:rPr lang="en-US" altLang="zh-TW" sz="3600" dirty="0" err="1">
+                <a:solidFill>
+                  <a:srgbClr val="3269AC"/>
+                </a:solidFill>
+                <a:latin typeface="arial" panose="020B0604020202020204" pitchFamily="34" charset="0"/>
+              </a:rPr>
+              <a:t>QoE</a:t>
+            </a:r>
+            <a:r>
+              <a:rPr lang="en-US" altLang="zh-TW" sz="3600" dirty="0">
+                <a:solidFill>
+                  <a:srgbClr val="3269AC"/>
+                </a:solidFill>
+                <a:latin typeface="arial" panose="020B0604020202020204" pitchFamily="34" charset="0"/>
+              </a:rPr>
+              <a:t> :</a:t>
+            </a:r>
+            <a:r>
+              <a:rPr lang="en-US" altLang="zh-TW" sz="3600" dirty="0">
+                <a:solidFill>
+                  <a:srgbClr val="DD4B39"/>
+                </a:solidFill>
+                <a:latin typeface="arial" panose="020B0604020202020204" pitchFamily="34" charset="0"/>
+              </a:rPr>
+              <a:t> Quality of Experience</a:t>
+            </a:r>
+          </a:p>
+          <a:p>
+            <a:endParaRPr lang="en-US" altLang="zh-TW" sz="3600" dirty="0">
+              <a:solidFill>
+                <a:srgbClr val="DD4B39"/>
+              </a:solidFill>
+              <a:latin typeface="arial" panose="020B0604020202020204" pitchFamily="34" charset="0"/>
+            </a:endParaRPr>
+          </a:p>
+          <a:p>
+            <a:r>
+              <a:rPr lang="en-US" altLang="zh-TW" sz="3600" dirty="0">
+                <a:solidFill>
+                  <a:srgbClr val="3269AC"/>
+                </a:solidFill>
+                <a:latin typeface="arial" panose="020B0604020202020204" pitchFamily="34" charset="0"/>
+              </a:rPr>
+              <a:t>IQX  :</a:t>
+            </a:r>
+            <a:r>
+              <a:rPr lang="en-US" altLang="zh-TW" sz="3600" dirty="0">
+                <a:solidFill>
+                  <a:srgbClr val="DD4B39"/>
+                </a:solidFill>
+                <a:latin typeface="arial" panose="020B0604020202020204" pitchFamily="34" charset="0"/>
+              </a:rPr>
+              <a:t> Exponential Interdependency of </a:t>
+            </a:r>
+            <a:r>
+              <a:rPr lang="en-US" altLang="zh-TW" sz="3600" dirty="0" err="1">
+                <a:solidFill>
+                  <a:srgbClr val="DD4B39"/>
+                </a:solidFill>
+                <a:latin typeface="arial" panose="020B0604020202020204" pitchFamily="34" charset="0"/>
+              </a:rPr>
+              <a:t>QoE</a:t>
+            </a:r>
+            <a:r>
+              <a:rPr lang="en-US" altLang="zh-TW" sz="3600" dirty="0">
+                <a:solidFill>
+                  <a:srgbClr val="DD4B39"/>
+                </a:solidFill>
+                <a:latin typeface="arial" panose="020B0604020202020204" pitchFamily="34" charset="0"/>
+              </a:rPr>
+              <a:t> and QoS</a:t>
+            </a:r>
+          </a:p>
+          <a:p>
+            <a:endParaRPr lang="zh-TW" altLang="en-US" sz="3600" dirty="0"/>
+          </a:p>
+        </p:txBody>
+      </p:sp>
+    </p:spTree>
+    <p:extLst>
+      <p:ext uri="{BB962C8B-B14F-4D97-AF65-F5344CB8AC3E}">
+        <p14:creationId xmlns:p14="http://schemas.microsoft.com/office/powerpoint/2010/main" val="1929439977"/>
+      </p:ext>
+    </p:extLst>
+  </p:cSld>
+  <p:clrMapOvr>
+    <a:masterClrMapping/>
+  </p:clrMapOvr>
+</p:sld>
+</file>
+
+<file path=ppt/slides/slide6.xml><?xml version="1.0" encoding="utf-8"?>
+<p:sld xmlns:a="http://schemas.openxmlformats.org/drawingml/2006/main" xmlns:r="http://schemas.openxmlformats.org/officeDocument/2006/relationships" xmlns:p="http://schemas.openxmlformats.org/presentationml/2006/main">
+  <p:cSld>
+    <p:spTree>
+      <p:nvGrpSpPr>
+        <p:cNvPr id="1" name=""/>
+        <p:cNvGrpSpPr/>
+        <p:nvPr/>
+      </p:nvGrpSpPr>
+      <p:grpSpPr>
+        <a:xfrm>
+          <a:off x="0" y="0"/>
+          <a:ext cx="0" cy="0"/>
+          <a:chOff x="0" y="0"/>
+          <a:chExt cx="0" cy="0"/>
+        </a:xfrm>
+      </p:grpSpPr>
+      <p:sp>
+        <p:nvSpPr>
           <p:cNvPr id="22" name="Footer Placeholder 21">
             <a:extLst>
               <a:ext uri="{FF2B5EF4-FFF2-40B4-BE49-F238E27FC236}">
@@ -16711,7 +17899,7 @@
                 </a:solidFill>
               </a:rPr>
               <a:pPr/>
-              <a:t>5</a:t>
+              <a:t>6</a:t>
             </a:fld>
             <a:endParaRPr lang="en-ID" dirty="0">
               <a:solidFill>
@@ -17605,7 +18793,7 @@
 </p:sld>
 </file>
 
-<file path=ppt/slides/slide6.xml><?xml version="1.0" encoding="utf-8"?>
+<file path=ppt/slides/slide7.xml><?xml version="1.0" encoding="utf-8"?>
 <p:sld xmlns:a="http://schemas.openxmlformats.org/drawingml/2006/main" xmlns:r="http://schemas.openxmlformats.org/officeDocument/2006/relationships" xmlns:p="http://schemas.openxmlformats.org/presentationml/2006/main">
   <p:cSld>
     <p:spTree>
@@ -17893,7 +19081,7 @@
 </p:sld>
 </file>
 
-<file path=ppt/slides/slide7.xml><?xml version="1.0" encoding="utf-8"?>
+<file path=ppt/slides/slide8.xml><?xml version="1.0" encoding="utf-8"?>
 <p:sld xmlns:a="http://schemas.openxmlformats.org/drawingml/2006/main" xmlns:r="http://schemas.openxmlformats.org/officeDocument/2006/relationships" xmlns:p="http://schemas.openxmlformats.org/presentationml/2006/main">
   <p:cSld>
     <p:spTree>
@@ -18132,324 +19320,6 @@
 </p:sld>
 </file>
 
-<file path=ppt/slides/slide8.xml><?xml version="1.0" encoding="utf-8"?>
-<p:sld xmlns:a="http://schemas.openxmlformats.org/drawingml/2006/main" xmlns:r="http://schemas.openxmlformats.org/officeDocument/2006/relationships" xmlns:p="http://schemas.openxmlformats.org/presentationml/2006/main">
-  <p:cSld>
-    <p:spTree>
-      <p:nvGrpSpPr>
-        <p:cNvPr id="1" name=""/>
-        <p:cNvGrpSpPr/>
-        <p:nvPr/>
-      </p:nvGrpSpPr>
-      <p:grpSpPr>
-        <a:xfrm>
-          <a:off x="0" y="0"/>
-          <a:ext cx="0" cy="0"/>
-          <a:chOff x="0" y="0"/>
-          <a:chExt cx="0" cy="0"/>
-        </a:xfrm>
-      </p:grpSpPr>
-      <p:sp>
-        <p:nvSpPr>
-          <p:cNvPr id="2" name="標題 1">
-            <a:extLst>
-              <a:ext uri="{FF2B5EF4-FFF2-40B4-BE49-F238E27FC236}">
-                <a16:creationId xmlns:a16="http://schemas.microsoft.com/office/drawing/2014/main" id="{4048E110-AD2D-474A-9284-CCBA9093EB1F}"/>
-              </a:ext>
-            </a:extLst>
-          </p:cNvPr>
-          <p:cNvSpPr>
-            <a:spLocks noGrp="1"/>
-          </p:cNvSpPr>
-          <p:nvPr>
-            <p:ph type="title"/>
-          </p:nvPr>
-        </p:nvSpPr>
-        <p:spPr/>
-        <p:txBody>
-          <a:bodyPr>
-            <a:normAutofit/>
-          </a:bodyPr>
-          <a:lstStyle/>
-          <a:p>
-            <a:r>
-              <a:rPr lang="en-US" altLang="zh-TW" dirty="0">
-                <a:solidFill>
-                  <a:schemeClr val="tx1">
-                    <a:lumMod val="65000"/>
-                    <a:lumOff val="35000"/>
-                  </a:schemeClr>
-                </a:solidFill>
-              </a:rPr>
-              <a:t>What is QoS/</a:t>
-            </a:r>
-            <a:r>
-              <a:rPr lang="en-US" altLang="zh-TW" dirty="0" err="1">
-                <a:solidFill>
-                  <a:schemeClr val="tx1">
-                    <a:lumMod val="65000"/>
-                    <a:lumOff val="35000"/>
-                  </a:schemeClr>
-                </a:solidFill>
-              </a:rPr>
-              <a:t>QoE</a:t>
-            </a:r>
-            <a:r>
-              <a:rPr lang="en-US" altLang="zh-TW" dirty="0">
-                <a:solidFill>
-                  <a:schemeClr val="tx1">
-                    <a:lumMod val="65000"/>
-                    <a:lumOff val="35000"/>
-                  </a:schemeClr>
-                </a:solidFill>
-              </a:rPr>
-              <a:t>?</a:t>
-            </a:r>
-            <a:endParaRPr lang="zh-TW" altLang="en-US" dirty="0">
-              <a:solidFill>
-                <a:schemeClr val="tx1">
-                  <a:lumMod val="65000"/>
-                  <a:lumOff val="35000"/>
-                </a:schemeClr>
-              </a:solidFill>
-            </a:endParaRPr>
-          </a:p>
-        </p:txBody>
-      </p:sp>
-      <p:sp>
-        <p:nvSpPr>
-          <p:cNvPr id="3" name="日期版面配置區 2">
-            <a:extLst>
-              <a:ext uri="{FF2B5EF4-FFF2-40B4-BE49-F238E27FC236}">
-                <a16:creationId xmlns:a16="http://schemas.microsoft.com/office/drawing/2014/main" id="{EC34B505-730C-444B-996C-E4E80B4B21F1}"/>
-              </a:ext>
-            </a:extLst>
-          </p:cNvPr>
-          <p:cNvSpPr>
-            <a:spLocks noGrp="1"/>
-          </p:cNvSpPr>
-          <p:nvPr>
-            <p:ph type="dt" sz="half" idx="10"/>
-          </p:nvPr>
-        </p:nvSpPr>
-        <p:spPr/>
-        <p:txBody>
-          <a:bodyPr/>
-          <a:lstStyle/>
-          <a:p>
-            <a:fld id="{43E2D749-843A-4CF2-BA5B-0BB9149F832F}" type="datetime1">
-              <a:rPr lang="en-ID" smtClean="0"/>
-              <a:t>10/09/2019</a:t>
-            </a:fld>
-            <a:endParaRPr lang="en-ID"/>
-          </a:p>
-        </p:txBody>
-      </p:sp>
-      <p:sp>
-        <p:nvSpPr>
-          <p:cNvPr id="4" name="頁尾版面配置區 3">
-            <a:extLst>
-              <a:ext uri="{FF2B5EF4-FFF2-40B4-BE49-F238E27FC236}">
-                <a16:creationId xmlns:a16="http://schemas.microsoft.com/office/drawing/2014/main" id="{5AAAEB7F-6E8C-49CA-8142-DC753C0566F8}"/>
-              </a:ext>
-            </a:extLst>
-          </p:cNvPr>
-          <p:cNvSpPr>
-            <a:spLocks noGrp="1"/>
-          </p:cNvSpPr>
-          <p:nvPr>
-            <p:ph type="ftr" sz="quarter" idx="11"/>
-          </p:nvPr>
-        </p:nvSpPr>
-        <p:spPr/>
-        <p:txBody>
-          <a:bodyPr/>
-          <a:lstStyle/>
-          <a:p>
-            <a:r>
-              <a:rPr lang="en-ID"/>
-              <a:t>Footer</a:t>
-            </a:r>
-          </a:p>
-        </p:txBody>
-      </p:sp>
-      <p:sp>
-        <p:nvSpPr>
-          <p:cNvPr id="5" name="投影片編號版面配置區 4">
-            <a:extLst>
-              <a:ext uri="{FF2B5EF4-FFF2-40B4-BE49-F238E27FC236}">
-                <a16:creationId xmlns:a16="http://schemas.microsoft.com/office/drawing/2014/main" id="{02239899-8E34-49E7-9A36-E99826949343}"/>
-              </a:ext>
-            </a:extLst>
-          </p:cNvPr>
-          <p:cNvSpPr>
-            <a:spLocks noGrp="1"/>
-          </p:cNvSpPr>
-          <p:nvPr>
-            <p:ph type="sldNum" sz="quarter" idx="12"/>
-          </p:nvPr>
-        </p:nvSpPr>
-        <p:spPr/>
-        <p:txBody>
-          <a:bodyPr/>
-          <a:lstStyle/>
-          <a:p>
-            <a:fld id="{20A13858-C2AA-4A16-A43A-77ABAD7631C2}" type="slidenum">
-              <a:rPr lang="en-ID" smtClean="0"/>
-              <a:pPr/>
-              <a:t>8</a:t>
-            </a:fld>
-            <a:endParaRPr lang="en-ID" dirty="0"/>
-          </a:p>
-        </p:txBody>
-      </p:sp>
-      <p:sp>
-        <p:nvSpPr>
-          <p:cNvPr id="7" name="矩形 6">
-            <a:extLst>
-              <a:ext uri="{FF2B5EF4-FFF2-40B4-BE49-F238E27FC236}">
-                <a16:creationId xmlns:a16="http://schemas.microsoft.com/office/drawing/2014/main" id="{169C8E3D-088D-4DD7-A880-5ADCB14CFB4C}"/>
-              </a:ext>
-            </a:extLst>
-          </p:cNvPr>
-          <p:cNvSpPr/>
-          <p:nvPr/>
-        </p:nvSpPr>
-        <p:spPr>
-          <a:xfrm>
-            <a:off x="609600" y="1415767"/>
-            <a:ext cx="11752729" cy="3416320"/>
-          </a:xfrm>
-          <a:prstGeom prst="rect">
-            <a:avLst/>
-          </a:prstGeom>
-        </p:spPr>
-        <p:txBody>
-          <a:bodyPr wrap="square">
-            <a:spAutoFit/>
-          </a:bodyPr>
-          <a:lstStyle/>
-          <a:p>
-            <a:r>
-              <a:rPr lang="en-US" altLang="zh-TW" sz="3600" dirty="0">
-                <a:solidFill>
-                  <a:srgbClr val="3269AC"/>
-                </a:solidFill>
-                <a:latin typeface="arial" panose="020B0604020202020204" pitchFamily="34" charset="0"/>
-              </a:rPr>
-              <a:t>QoS : </a:t>
-            </a:r>
-            <a:r>
-              <a:rPr lang="en-US" altLang="zh-TW" sz="3600" dirty="0">
-                <a:solidFill>
-                  <a:srgbClr val="DD4B39"/>
-                </a:solidFill>
-                <a:latin typeface="arial" panose="020B0604020202020204" pitchFamily="34" charset="0"/>
-              </a:rPr>
-              <a:t>Quality of Service</a:t>
-            </a:r>
-          </a:p>
-          <a:p>
-            <a:endParaRPr lang="en-US" altLang="zh-TW" sz="3600" dirty="0">
-              <a:solidFill>
-                <a:srgbClr val="DD4B39"/>
-              </a:solidFill>
-              <a:latin typeface="arial" panose="020B0604020202020204" pitchFamily="34" charset="0"/>
-            </a:endParaRPr>
-          </a:p>
-          <a:p>
-            <a:r>
-              <a:rPr lang="en-US" altLang="zh-TW" sz="3600" dirty="0" err="1">
-                <a:solidFill>
-                  <a:srgbClr val="3269AC"/>
-                </a:solidFill>
-                <a:latin typeface="arial" panose="020B0604020202020204" pitchFamily="34" charset="0"/>
-              </a:rPr>
-              <a:t>QoE</a:t>
-            </a:r>
-            <a:r>
-              <a:rPr lang="en-US" altLang="zh-TW" sz="3600" dirty="0">
-                <a:solidFill>
-                  <a:srgbClr val="3269AC"/>
-                </a:solidFill>
-                <a:latin typeface="arial" panose="020B0604020202020204" pitchFamily="34" charset="0"/>
-              </a:rPr>
-              <a:t> :</a:t>
-            </a:r>
-            <a:r>
-              <a:rPr lang="en-US" altLang="zh-TW" sz="3600" dirty="0">
-                <a:solidFill>
-                  <a:srgbClr val="DD4B39"/>
-                </a:solidFill>
-                <a:latin typeface="arial" panose="020B0604020202020204" pitchFamily="34" charset="0"/>
-              </a:rPr>
-              <a:t> Quality of Experience</a:t>
-            </a:r>
-          </a:p>
-          <a:p>
-            <a:endParaRPr lang="en-US" altLang="zh-TW" sz="3600" dirty="0">
-              <a:solidFill>
-                <a:srgbClr val="DD4B39"/>
-              </a:solidFill>
-              <a:latin typeface="arial" panose="020B0604020202020204" pitchFamily="34" charset="0"/>
-            </a:endParaRPr>
-          </a:p>
-          <a:p>
-            <a:r>
-              <a:rPr lang="en-US" altLang="zh-TW" sz="3600" dirty="0">
-                <a:solidFill>
-                  <a:srgbClr val="3269AC"/>
-                </a:solidFill>
-                <a:latin typeface="arial" panose="020B0604020202020204" pitchFamily="34" charset="0"/>
-              </a:rPr>
-              <a:t>IQX  :</a:t>
-            </a:r>
-            <a:r>
-              <a:rPr lang="en-US" altLang="zh-TW" sz="3600" dirty="0">
-                <a:solidFill>
-                  <a:srgbClr val="DD4B39"/>
-                </a:solidFill>
-                <a:latin typeface="arial" panose="020B0604020202020204" pitchFamily="34" charset="0"/>
-              </a:rPr>
-              <a:t> Exponential Interdependency of </a:t>
-            </a:r>
-            <a:r>
-              <a:rPr lang="en-US" altLang="zh-TW" sz="3600" dirty="0" err="1">
-                <a:solidFill>
-                  <a:srgbClr val="DD4B39"/>
-                </a:solidFill>
-                <a:latin typeface="arial" panose="020B0604020202020204" pitchFamily="34" charset="0"/>
-              </a:rPr>
-              <a:t>QoE</a:t>
-            </a:r>
-            <a:r>
-              <a:rPr lang="en-US" altLang="zh-TW" sz="3600" dirty="0">
-                <a:solidFill>
-                  <a:srgbClr val="DD4B39"/>
-                </a:solidFill>
-                <a:latin typeface="arial" panose="020B0604020202020204" pitchFamily="34" charset="0"/>
-              </a:rPr>
-              <a:t> and QoS</a:t>
-            </a:r>
-          </a:p>
-          <a:p>
-            <a:endParaRPr lang="zh-TW" altLang="en-US" sz="3600" dirty="0"/>
-          </a:p>
-        </p:txBody>
-      </p:sp>
-    </p:spTree>
-    <p:extLst>
-      <p:ext uri="{BB962C8B-B14F-4D97-AF65-F5344CB8AC3E}">
-        <p14:creationId xmlns:p14="http://schemas.microsoft.com/office/powerpoint/2010/main" val="1929439977"/>
-      </p:ext>
-    </p:extLst>
-  </p:cSld>
-  <p:clrMapOvr>
-    <a:masterClrMapping/>
-  </p:clrMapOvr>
-</p:sld>
-</file>
-
 <file path=ppt/slides/slide9.xml><?xml version="1.0" encoding="utf-8"?>
 <p:sld xmlns:a="http://schemas.openxmlformats.org/drawingml/2006/main" xmlns:r="http://schemas.openxmlformats.org/officeDocument/2006/relationships" xmlns:p="http://schemas.openxmlformats.org/presentationml/2006/main">
   <p:cSld>
@@ -18558,8 +19428,8 @@
           </a:p>
         </p:txBody>
       </p:sp>
-      <mc:AlternateContent xmlns:mc="http://schemas.openxmlformats.org/markup-compatibility/2006">
-        <mc:Choice xmlns:a14="http://schemas.microsoft.com/office/drawing/2010/main" Requires="a14">
+      <mc:AlternateContent xmlns:mc="http://schemas.openxmlformats.org/markup-compatibility/2006" xmlns:a14="http://schemas.microsoft.com/office/drawing/2010/main">
+        <mc:Choice Requires="a14">
           <p:sp>
             <p:nvSpPr>
               <p:cNvPr id="4" name="文字方塊 3">
@@ -18677,7 +19547,7 @@
             </p:txBody>
           </p:sp>
         </mc:Choice>
-        <mc:Fallback>
+        <mc:Fallback xmlns="">
           <p:sp>
             <p:nvSpPr>
               <p:cNvPr id="4" name="文字方塊 3">
@@ -18701,7 +19571,7 @@
                 <a:avLst/>
               </a:prstGeom>
               <a:blipFill>
-                <a:blip r:embed="rId2"/>
+                <a:blip r:embed="rId3"/>
                 <a:stretch>
                   <a:fillRect/>
                 </a:stretch>
@@ -18722,8 +19592,8 @@
           </p:sp>
         </mc:Fallback>
       </mc:AlternateContent>
-      <mc:AlternateContent xmlns:mc="http://schemas.openxmlformats.org/markup-compatibility/2006">
-        <mc:Choice xmlns:a14="http://schemas.microsoft.com/office/drawing/2010/main" Requires="a14">
+      <mc:AlternateContent xmlns:mc="http://schemas.openxmlformats.org/markup-compatibility/2006" xmlns:a14="http://schemas.microsoft.com/office/drawing/2010/main">
+        <mc:Choice Requires="a14">
           <p:sp>
             <p:nvSpPr>
               <p:cNvPr id="5" name="文字方塊 4">
@@ -18822,7 +19692,7 @@
             </p:txBody>
           </p:sp>
         </mc:Choice>
-        <mc:Fallback>
+        <mc:Fallback xmlns="">
           <p:sp>
             <p:nvSpPr>
               <p:cNvPr id="5" name="文字方塊 4">
@@ -18846,7 +19716,7 @@
                 <a:avLst/>
               </a:prstGeom>
               <a:blipFill>
-                <a:blip r:embed="rId3"/>
+                <a:blip r:embed="rId4"/>
                 <a:stretch>
                   <a:fillRect/>
                 </a:stretch>
@@ -18867,8 +19737,8 @@
           </p:sp>
         </mc:Fallback>
       </mc:AlternateContent>
-      <mc:AlternateContent xmlns:mc="http://schemas.openxmlformats.org/markup-compatibility/2006">
-        <mc:Choice xmlns:a14="http://schemas.microsoft.com/office/drawing/2010/main" Requires="a14">
+      <mc:AlternateContent xmlns:mc="http://schemas.openxmlformats.org/markup-compatibility/2006" xmlns:a14="http://schemas.microsoft.com/office/drawing/2010/main">
+        <mc:Choice Requires="a14">
           <p:sp>
             <p:nvSpPr>
               <p:cNvPr id="6" name="文字方塊 5">
@@ -19044,7 +19914,7 @@
             </p:txBody>
           </p:sp>
         </mc:Choice>
-        <mc:Fallback>
+        <mc:Fallback xmlns="">
           <p:sp>
             <p:nvSpPr>
               <p:cNvPr id="6" name="文字方塊 5">
@@ -19068,7 +19938,7 @@
                 <a:avLst/>
               </a:prstGeom>
               <a:blipFill>
-                <a:blip r:embed="rId4"/>
+                <a:blip r:embed="rId5"/>
                 <a:stretch>
                   <a:fillRect/>
                 </a:stretch>
@@ -19089,8 +19959,8 @@
           </p:sp>
         </mc:Fallback>
       </mc:AlternateContent>
-      <mc:AlternateContent xmlns:mc="http://schemas.openxmlformats.org/markup-compatibility/2006">
-        <mc:Choice xmlns:a14="http://schemas.microsoft.com/office/drawing/2010/main" Requires="a14">
+      <mc:AlternateContent xmlns:mc="http://schemas.openxmlformats.org/markup-compatibility/2006" xmlns:a14="http://schemas.microsoft.com/office/drawing/2010/main">
+        <mc:Choice Requires="a14">
           <p:sp>
             <p:nvSpPr>
               <p:cNvPr id="7" name="文字方塊 6">
@@ -19229,7 +20099,7 @@
             </p:txBody>
           </p:sp>
         </mc:Choice>
-        <mc:Fallback>
+        <mc:Fallback xmlns="">
           <p:sp>
             <p:nvSpPr>
               <p:cNvPr id="7" name="文字方塊 6">
@@ -19253,7 +20123,7 @@
                 <a:avLst/>
               </a:prstGeom>
               <a:blipFill>
-                <a:blip r:embed="rId5"/>
+                <a:blip r:embed="rId6"/>
                 <a:stretch>
                   <a:fillRect/>
                 </a:stretch>
@@ -19289,7 +20159,7 @@
           <p:nvPr/>
         </p:nvPicPr>
         <p:blipFill>
-          <a:blip r:embed="rId6">
+          <a:blip r:embed="rId7">
             <a:extLst>
               <a:ext uri="{28A0092B-C50C-407E-A947-70E740481C1C}">
                 <a14:useLocalDpi xmlns:a14="http://schemas.microsoft.com/office/drawing/2010/main" val="0"/>
